--- a/US Wildfire presentation.pptx
+++ b/US Wildfire presentation.pptx
@@ -9,13 +9,14 @@
     <p:sldId id="257" r:id="rId3"/>
     <p:sldId id="258" r:id="rId4"/>
     <p:sldId id="260" r:id="rId5"/>
-    <p:sldId id="261" r:id="rId6"/>
-    <p:sldId id="262" r:id="rId7"/>
-    <p:sldId id="263" r:id="rId8"/>
-    <p:sldId id="259" r:id="rId9"/>
-    <p:sldId id="264" r:id="rId10"/>
-    <p:sldId id="265" r:id="rId11"/>
-    <p:sldId id="266" r:id="rId12"/>
+    <p:sldId id="268" r:id="rId6"/>
+    <p:sldId id="270" r:id="rId7"/>
+    <p:sldId id="261" r:id="rId8"/>
+    <p:sldId id="269" r:id="rId9"/>
+    <p:sldId id="262" r:id="rId10"/>
+    <p:sldId id="264" r:id="rId11"/>
+    <p:sldId id="265" r:id="rId12"/>
+    <p:sldId id="266" r:id="rId13"/>
   </p:sldIdLst>
   <p:sldSz cx="12192000" cy="6858000"/>
   <p:notesSz cx="6858000" cy="9144000"/>
@@ -114,6 +115,11 @@
       </a:defRPr>
     </a:lvl9pPr>
   </p:defaultTextStyle>
+  <p:extLst>
+    <p:ext uri="{EFAFB233-063F-42B5-8137-9DF3F51BA10A}">
+      <p15:sldGuideLst xmlns:p15="http://schemas.microsoft.com/office/powerpoint/2012/main"/>
+    </p:ext>
+  </p:extLst>
 </p:presentation>
 </file>
 
@@ -343,7 +349,7 @@
           <a:p>
             <a:fld id="{87ADC99E-9B1B-4205-B013-86E5319FF0DF}" type="datetimeFigureOut">
               <a:rPr lang="en-US" smtClean="0"/>
-              <a:t>11/13/2019</a:t>
+              <a:t>11/14/2019</a:t>
             </a:fld>
             <a:endParaRPr lang="en-US"/>
           </a:p>
@@ -551,7 +557,7 @@
           <a:p>
             <a:fld id="{87ADC99E-9B1B-4205-B013-86E5319FF0DF}" type="datetimeFigureOut">
               <a:rPr lang="en-US" smtClean="0"/>
-              <a:t>11/13/2019</a:t>
+              <a:t>11/14/2019</a:t>
             </a:fld>
             <a:endParaRPr lang="en-US"/>
           </a:p>
@@ -807,7 +813,7 @@
           <a:p>
             <a:fld id="{87ADC99E-9B1B-4205-B013-86E5319FF0DF}" type="datetimeFigureOut">
               <a:rPr lang="en-US" smtClean="0"/>
-              <a:t>11/13/2019</a:t>
+              <a:t>11/14/2019</a:t>
             </a:fld>
             <a:endParaRPr lang="en-US"/>
           </a:p>
@@ -981,7 +987,7 @@
           <a:p>
             <a:fld id="{87ADC99E-9B1B-4205-B013-86E5319FF0DF}" type="datetimeFigureOut">
               <a:rPr lang="en-US" smtClean="0"/>
-              <a:t>11/13/2019</a:t>
+              <a:t>11/14/2019</a:t>
             </a:fld>
             <a:endParaRPr lang="en-US"/>
           </a:p>
@@ -1324,7 +1330,7 @@
           <a:p>
             <a:fld id="{87ADC99E-9B1B-4205-B013-86E5319FF0DF}" type="datetimeFigureOut">
               <a:rPr lang="en-US" smtClean="0"/>
-              <a:t>11/13/2019</a:t>
+              <a:t>11/14/2019</a:t>
             </a:fld>
             <a:endParaRPr lang="en-US"/>
           </a:p>
@@ -1599,7 +1605,7 @@
           <a:p>
             <a:fld id="{87ADC99E-9B1B-4205-B013-86E5319FF0DF}" type="datetimeFigureOut">
               <a:rPr lang="en-US" smtClean="0"/>
-              <a:t>11/13/2019</a:t>
+              <a:t>11/14/2019</a:t>
             </a:fld>
             <a:endParaRPr lang="en-US"/>
           </a:p>
@@ -1978,7 +1984,7 @@
           <a:p>
             <a:fld id="{87ADC99E-9B1B-4205-B013-86E5319FF0DF}" type="datetimeFigureOut">
               <a:rPr lang="en-US" smtClean="0"/>
-              <a:t>11/13/2019</a:t>
+              <a:t>11/14/2019</a:t>
             </a:fld>
             <a:endParaRPr lang="en-US"/>
           </a:p>
@@ -2096,7 +2102,7 @@
           <a:p>
             <a:fld id="{87ADC99E-9B1B-4205-B013-86E5319FF0DF}" type="datetimeFigureOut">
               <a:rPr lang="en-US" smtClean="0"/>
-              <a:t>11/13/2019</a:t>
+              <a:t>11/14/2019</a:t>
             </a:fld>
             <a:endParaRPr lang="en-US"/>
           </a:p>
@@ -2267,7 +2273,7 @@
           <a:p>
             <a:fld id="{87ADC99E-9B1B-4205-B013-86E5319FF0DF}" type="datetimeFigureOut">
               <a:rPr lang="en-US" smtClean="0"/>
-              <a:t>11/13/2019</a:t>
+              <a:t>11/14/2019</a:t>
             </a:fld>
             <a:endParaRPr lang="en-US"/>
           </a:p>
@@ -2621,7 +2627,7 @@
           <a:p>
             <a:fld id="{87ADC99E-9B1B-4205-B013-86E5319FF0DF}" type="datetimeFigureOut">
               <a:rPr lang="en-US" smtClean="0"/>
-              <a:t>11/13/2019</a:t>
+              <a:t>11/14/2019</a:t>
             </a:fld>
             <a:endParaRPr lang="en-US"/>
           </a:p>
@@ -3003,7 +3009,7 @@
           <a:p>
             <a:fld id="{87ADC99E-9B1B-4205-B013-86E5319FF0DF}" type="datetimeFigureOut">
               <a:rPr lang="en-US" smtClean="0"/>
-              <a:t>11/13/2019</a:t>
+              <a:t>11/14/2019</a:t>
             </a:fld>
             <a:endParaRPr lang="en-US"/>
           </a:p>
@@ -3290,7 +3296,7 @@
           <a:p>
             <a:fld id="{87ADC99E-9B1B-4205-B013-86E5319FF0DF}" type="datetimeFigureOut">
               <a:rPr lang="en-US" smtClean="0"/>
-              <a:t>11/13/2019</a:t>
+              <a:t>11/14/2019</a:t>
             </a:fld>
             <a:endParaRPr lang="en-US"/>
           </a:p>
@@ -4155,6 +4161,14 @@
 <file path=ppt/slides/slide10.xml><?xml version="1.0" encoding="utf-8"?>
 <p:sld xmlns:a="http://schemas.openxmlformats.org/drawingml/2006/main" xmlns:r="http://schemas.openxmlformats.org/officeDocument/2006/relationships" xmlns:p="http://schemas.openxmlformats.org/presentationml/2006/main">
   <p:cSld>
+    <p:bg>
+      <p:bgPr>
+        <a:solidFill>
+          <a:schemeClr val="bg1"/>
+        </a:solidFill>
+        <a:effectLst/>
+      </p:bgPr>
+    </p:bg>
     <p:spTree>
       <p:nvGrpSpPr>
         <p:cNvPr id="1" name=""/>
@@ -4171,69 +4185,590 @@
       </p:grpSpPr>
       <p:sp>
         <p:nvSpPr>
-          <p:cNvPr id="2" name="Title 1">
+          <p:cNvPr id="12" name="Rectangle 11">
             <a:extLst>
               <a:ext uri="{FF2B5EF4-FFF2-40B4-BE49-F238E27FC236}">
-                <a16:creationId xmlns:a16="http://schemas.microsoft.com/office/drawing/2014/main" id="{E56E6028-DDBB-4CB0-8641-EC59A12FE225}"/>
+                <a16:creationId xmlns:a16="http://schemas.microsoft.com/office/drawing/2014/main" id="{52C0B2E1-0268-42EC-ABD3-94F81A05BCBD}"/>
+              </a:ext>
+              <a:ext uri="{C183D7F6-B498-43B3-948B-1728B52AA6E4}">
+                <adec:decorative xmlns:adec="http://schemas.microsoft.com/office/drawing/2017/decorative" val="1"/>
               </a:ext>
             </a:extLst>
           </p:cNvPr>
           <p:cNvSpPr>
-            <a:spLocks noGrp="1"/>
-          </p:cNvSpPr>
-          <p:nvPr>
-            <p:ph type="title"/>
-          </p:nvPr>
-        </p:nvSpPr>
-        <p:spPr>
-          <a:xfrm>
-            <a:off x="124157" y="4999602"/>
-            <a:ext cx="10113264" cy="822960"/>
-          </a:xfrm>
-        </p:spPr>
-        <p:txBody>
-          <a:bodyPr/>
-          <a:lstStyle/>
-          <a:p>
-            <a:r>
-              <a:rPr lang="en-US" dirty="0"/>
-              <a:t>CONCLUSION</a:t>
-            </a:r>
-          </a:p>
-        </p:txBody>
-      </p:sp>
-      <p:sp>
-        <p:nvSpPr>
-          <p:cNvPr id="5" name="Text Placeholder 4">
-            <a:extLst>
-              <a:ext uri="{FF2B5EF4-FFF2-40B4-BE49-F238E27FC236}">
-                <a16:creationId xmlns:a16="http://schemas.microsoft.com/office/drawing/2014/main" id="{EAB498C9-6BA0-4A03-87E4-E6659968E035}"/>
-              </a:ext>
-            </a:extLst>
-          </p:cNvPr>
-          <p:cNvSpPr>
-            <a:spLocks noGrp="1"/>
-          </p:cNvSpPr>
-          <p:nvPr>
-            <p:ph type="body" sz="half" idx="2"/>
-          </p:nvPr>
-        </p:nvSpPr>
-        <p:spPr>
-          <a:xfrm>
-            <a:off x="234892" y="5907088"/>
-            <a:ext cx="6011417" cy="744243"/>
+            <a:spLocks noGrp="1" noRot="1" noChangeAspect="1" noMove="1" noResize="1" noEditPoints="1" noAdjustHandles="1" noChangeArrowheads="1" noChangeShapeType="1" noTextEdit="1"/>
+          </p:cNvSpPr>
+          <p:nvPr>
+            <p:extLst>
+              <p:ext uri="{386F3935-93C4-4BCD-93E2-E3B085C9AB24}">
+                <p16:designElem xmlns:p16="http://schemas.microsoft.com/office/powerpoint/2015/main" val="1"/>
+              </p:ext>
+            </p:extLst>
+          </p:nvPr>
+        </p:nvSpPr>
+        <p:spPr>
+          <a:xfrm>
+            <a:off x="3175" y="6400800"/>
+            <a:ext cx="12188825" cy="457200"/>
           </a:xfrm>
           <a:prstGeom prst="rect">
             <a:avLst/>
           </a:prstGeom>
-        </p:spPr>
-        <p:txBody>
-          <a:bodyPr wrap="square">
+          <a:solidFill>
+            <a:schemeClr val="accent2"/>
+          </a:solidFill>
+          <a:ln>
+            <a:noFill/>
+          </a:ln>
+        </p:spPr>
+        <p:style>
+          <a:lnRef idx="2">
+            <a:schemeClr val="accent1">
+              <a:shade val="50000"/>
+            </a:schemeClr>
+          </a:lnRef>
+          <a:fillRef idx="1">
+            <a:schemeClr val="accent1"/>
+          </a:fillRef>
+          <a:effectRef idx="0">
+            <a:schemeClr val="accent1"/>
+          </a:effectRef>
+          <a:fontRef idx="minor">
+            <a:schemeClr val="lt1"/>
+          </a:fontRef>
+        </p:style>
+      </p:sp>
+      <p:sp>
+        <p:nvSpPr>
+          <p:cNvPr id="14" name="Rectangle 13">
+            <a:extLst>
+              <a:ext uri="{FF2B5EF4-FFF2-40B4-BE49-F238E27FC236}">
+                <a16:creationId xmlns:a16="http://schemas.microsoft.com/office/drawing/2014/main" id="{7D2256B4-48EA-40FC-BBC0-AA1EE6E0080C}"/>
+              </a:ext>
+              <a:ext uri="{C183D7F6-B498-43B3-948B-1728B52AA6E4}">
+                <adec:decorative xmlns:adec="http://schemas.microsoft.com/office/drawing/2017/decorative" val="1"/>
+              </a:ext>
+            </a:extLst>
+          </p:cNvPr>
+          <p:cNvSpPr>
+            <a:spLocks noGrp="1" noRot="1" noChangeAspect="1" noMove="1" noResize="1" noEditPoints="1" noAdjustHandles="1" noChangeArrowheads="1" noChangeShapeType="1" noTextEdit="1"/>
+          </p:cNvSpPr>
+          <p:nvPr>
+            <p:extLst>
+              <p:ext uri="{386F3935-93C4-4BCD-93E2-E3B085C9AB24}">
+                <p16:designElem xmlns:p16="http://schemas.microsoft.com/office/powerpoint/2015/main" val="1"/>
+              </p:ext>
+            </p:extLst>
+          </p:nvPr>
+        </p:nvSpPr>
+        <p:spPr>
+          <a:xfrm>
+            <a:off x="15" y="6334316"/>
+            <a:ext cx="12188825" cy="64008"/>
+          </a:xfrm>
+          <a:prstGeom prst="rect">
+            <a:avLst/>
+          </a:prstGeom>
+          <a:solidFill>
+            <a:schemeClr val="accent1"/>
+          </a:solidFill>
+          <a:ln>
+            <a:noFill/>
+          </a:ln>
+        </p:spPr>
+        <p:style>
+          <a:lnRef idx="2">
+            <a:schemeClr val="accent1">
+              <a:shade val="50000"/>
+            </a:schemeClr>
+          </a:lnRef>
+          <a:fillRef idx="1">
+            <a:schemeClr val="accent1"/>
+          </a:fillRef>
+          <a:effectRef idx="0">
+            <a:schemeClr val="accent1"/>
+          </a:effectRef>
+          <a:fontRef idx="minor">
+            <a:schemeClr val="lt1"/>
+          </a:fontRef>
+        </p:style>
+      </p:sp>
+      <p:cxnSp>
+        <p:nvCxnSpPr>
+          <p:cNvPr id="16" name="Straight Connector 15">
+            <a:extLst>
+              <a:ext uri="{FF2B5EF4-FFF2-40B4-BE49-F238E27FC236}">
+                <a16:creationId xmlns:a16="http://schemas.microsoft.com/office/drawing/2014/main" id="{3D44BCCA-102D-4A9D-B1E4-2450CAF0B05E}"/>
+              </a:ext>
+              <a:ext uri="{C183D7F6-B498-43B3-948B-1728B52AA6E4}">
+                <adec:decorative xmlns:adec="http://schemas.microsoft.com/office/drawing/2017/decorative" val="1"/>
+              </a:ext>
+            </a:extLst>
+          </p:cNvPr>
+          <p:cNvCxnSpPr>
+            <a:cxnSpLocks noGrp="1" noRot="1" noChangeAspect="1" noMove="1" noResize="1" noEditPoints="1" noAdjustHandles="1" noChangeArrowheads="1" noChangeShapeType="1"/>
+          </p:cNvCxnSpPr>
+          <p:nvPr>
+            <p:extLst>
+              <p:ext uri="{386F3935-93C4-4BCD-93E2-E3B085C9AB24}">
+                <p16:designElem xmlns:p16="http://schemas.microsoft.com/office/powerpoint/2015/main" val="1"/>
+              </p:ext>
+            </p:extLst>
+          </p:nvPr>
+        </p:nvCxnSpPr>
+        <p:spPr>
+          <a:xfrm>
+            <a:off x="1207658" y="4343400"/>
+            <a:ext cx="9875520" cy="0"/>
+          </a:xfrm>
+          <a:prstGeom prst="line">
+            <a:avLst/>
+          </a:prstGeom>
+          <a:ln w="6350">
+            <a:solidFill>
+              <a:schemeClr val="tx1">
+                <a:lumMod val="50000"/>
+                <a:lumOff val="50000"/>
+              </a:schemeClr>
+            </a:solidFill>
+          </a:ln>
+        </p:spPr>
+        <p:style>
+          <a:lnRef idx="1">
+            <a:schemeClr val="accent1"/>
+          </a:lnRef>
+          <a:fillRef idx="0">
+            <a:schemeClr val="accent1"/>
+          </a:fillRef>
+          <a:effectRef idx="0">
+            <a:schemeClr val="accent1"/>
+          </a:effectRef>
+          <a:fontRef idx="minor">
+            <a:schemeClr val="tx1"/>
+          </a:fontRef>
+        </p:style>
+      </p:cxnSp>
+      <p:sp useBgFill="1">
+        <p:nvSpPr>
+          <p:cNvPr id="18" name="Rectangle 17">
+            <a:extLst>
+              <a:ext uri="{FF2B5EF4-FFF2-40B4-BE49-F238E27FC236}">
+                <a16:creationId xmlns:a16="http://schemas.microsoft.com/office/drawing/2014/main" id="{8C6E698C-8155-4B8B-BDC9-B7299772B509}"/>
+              </a:ext>
+              <a:ext uri="{C183D7F6-B498-43B3-948B-1728B52AA6E4}">
+                <adec:decorative xmlns:adec="http://schemas.microsoft.com/office/drawing/2017/decorative" val="1"/>
+              </a:ext>
+            </a:extLst>
+          </p:cNvPr>
+          <p:cNvSpPr>
+            <a:spLocks noGrp="1" noRot="1" noChangeAspect="1" noMove="1" noResize="1" noEditPoints="1" noAdjustHandles="1" noChangeArrowheads="1" noChangeShapeType="1" noTextEdit="1"/>
+          </p:cNvSpPr>
+          <p:nvPr>
+            <p:extLst>
+              <p:ext uri="{386F3935-93C4-4BCD-93E2-E3B085C9AB24}">
+                <p16:designElem xmlns:p16="http://schemas.microsoft.com/office/powerpoint/2015/main" val="1"/>
+              </p:ext>
+            </p:extLst>
+          </p:nvPr>
+        </p:nvSpPr>
+        <p:spPr>
+          <a:xfrm>
+            <a:off x="0" y="0"/>
+            <a:ext cx="12188952" cy="6858000"/>
+          </a:xfrm>
+          <a:prstGeom prst="rect">
+            <a:avLst/>
+          </a:prstGeom>
+          <a:ln>
+            <a:noFill/>
+          </a:ln>
+        </p:spPr>
+        <p:style>
+          <a:lnRef idx="2">
+            <a:schemeClr val="accent1">
+              <a:shade val="50000"/>
+            </a:schemeClr>
+          </a:lnRef>
+          <a:fillRef idx="1">
+            <a:schemeClr val="accent1"/>
+          </a:fillRef>
+          <a:effectRef idx="0">
+            <a:schemeClr val="accent1"/>
+          </a:effectRef>
+          <a:fontRef idx="minor">
+            <a:schemeClr val="lt1"/>
+          </a:fontRef>
+        </p:style>
+        <p:txBody>
+          <a:bodyPr rtlCol="0" anchor="ctr"/>
+          <a:lstStyle/>
+          <a:p>
+            <a:pPr algn="ctr"/>
+            <a:endParaRPr lang="en-US"/>
+          </a:p>
+        </p:txBody>
+      </p:sp>
+      <p:sp>
+        <p:nvSpPr>
+          <p:cNvPr id="5" name="Title 4">
+            <a:extLst>
+              <a:ext uri="{FF2B5EF4-FFF2-40B4-BE49-F238E27FC236}">
+                <a16:creationId xmlns:a16="http://schemas.microsoft.com/office/drawing/2014/main" id="{3C16C513-8ED5-4BD7-BBBF-D0D1B910DB54}"/>
+              </a:ext>
+            </a:extLst>
+          </p:cNvPr>
+          <p:cNvSpPr>
+            <a:spLocks noGrp="1"/>
+          </p:cNvSpPr>
+          <p:nvPr>
+            <p:ph type="title"/>
+          </p:nvPr>
+        </p:nvSpPr>
+        <p:spPr>
+          <a:xfrm>
+            <a:off x="394290" y="643467"/>
+            <a:ext cx="6825938" cy="5054008"/>
+          </a:xfrm>
+        </p:spPr>
+        <p:txBody>
+          <a:bodyPr vert="horz" lIns="91440" tIns="45720" rIns="91440" bIns="45720" rtlCol="0" anchor="ctr">
+            <a:normAutofit/>
+          </a:bodyPr>
+          <a:lstStyle/>
+          <a:p>
+            <a:br>
+              <a:rPr lang="en-US" sz="2900" dirty="0">
+                <a:solidFill>
+                  <a:schemeClr val="tx1">
+                    <a:lumMod val="85000"/>
+                    <a:lumOff val="15000"/>
+                  </a:schemeClr>
+                </a:solidFill>
+              </a:rPr>
+            </a:br>
+            <a:r>
+              <a:rPr lang="en-US" sz="2900" dirty="0">
+                <a:solidFill>
+                  <a:schemeClr val="tx1">
+                    <a:lumMod val="85000"/>
+                    <a:lumOff val="15000"/>
+                  </a:schemeClr>
+                </a:solidFill>
+              </a:rPr>
+              <a:t>1. Spatial Merging of the wildfire dataset with the weather data.</a:t>
+            </a:r>
+            <a:br>
+              <a:rPr lang="en-US" sz="2900" dirty="0">
+                <a:solidFill>
+                  <a:schemeClr val="tx1">
+                    <a:lumMod val="85000"/>
+                    <a:lumOff val="15000"/>
+                  </a:schemeClr>
+                </a:solidFill>
+              </a:rPr>
+            </a:br>
+            <a:br>
+              <a:rPr lang="en-US" sz="2900" dirty="0">
+                <a:solidFill>
+                  <a:schemeClr val="tx1">
+                    <a:lumMod val="85000"/>
+                    <a:lumOff val="15000"/>
+                  </a:schemeClr>
+                </a:solidFill>
+              </a:rPr>
+            </a:br>
+            <a:r>
+              <a:rPr lang="en-US" sz="2900" dirty="0">
+                <a:solidFill>
+                  <a:schemeClr val="tx1">
+                    <a:lumMod val="85000"/>
+                    <a:lumOff val="15000"/>
+                  </a:schemeClr>
+                </a:solidFill>
+              </a:rPr>
+              <a:t>2. Data set being too large.</a:t>
+            </a:r>
+            <a:br>
+              <a:rPr lang="en-US" sz="2900" dirty="0">
+                <a:solidFill>
+                  <a:schemeClr val="tx1">
+                    <a:lumMod val="85000"/>
+                    <a:lumOff val="15000"/>
+                  </a:schemeClr>
+                </a:solidFill>
+              </a:rPr>
+            </a:br>
+            <a:br>
+              <a:rPr lang="en-US" sz="2900" dirty="0">
+                <a:solidFill>
+                  <a:schemeClr val="tx1">
+                    <a:lumMod val="85000"/>
+                    <a:lumOff val="15000"/>
+                  </a:schemeClr>
+                </a:solidFill>
+              </a:rPr>
+            </a:br>
+            <a:r>
+              <a:rPr lang="en-US" sz="2900" dirty="0">
+                <a:solidFill>
+                  <a:schemeClr val="tx1">
+                    <a:lumMod val="85000"/>
+                    <a:lumOff val="15000"/>
+                  </a:schemeClr>
+                </a:solidFill>
+              </a:rPr>
+              <a:t>3. Challenges in analyzing the dataset.</a:t>
+            </a:r>
+            <a:br>
+              <a:rPr lang="en-US" sz="2900" dirty="0">
+                <a:solidFill>
+                  <a:schemeClr val="tx1">
+                    <a:lumMod val="85000"/>
+                    <a:lumOff val="15000"/>
+                  </a:schemeClr>
+                </a:solidFill>
+              </a:rPr>
+            </a:br>
+            <a:endParaRPr lang="en-US" sz="2900" dirty="0">
+              <a:solidFill>
+                <a:schemeClr val="tx1">
+                  <a:lumMod val="85000"/>
+                  <a:lumOff val="15000"/>
+                </a:schemeClr>
+              </a:solidFill>
+            </a:endParaRPr>
+          </a:p>
+        </p:txBody>
+      </p:sp>
+      <p:cxnSp>
+        <p:nvCxnSpPr>
+          <p:cNvPr id="20" name="Straight Connector 19">
+            <a:extLst>
+              <a:ext uri="{FF2B5EF4-FFF2-40B4-BE49-F238E27FC236}">
+                <a16:creationId xmlns:a16="http://schemas.microsoft.com/office/drawing/2014/main" id="{09525C9A-1972-4836-BA7A-706C946EF4DA}"/>
+              </a:ext>
+              <a:ext uri="{C183D7F6-B498-43B3-948B-1728B52AA6E4}">
+                <adec:decorative xmlns:adec="http://schemas.microsoft.com/office/drawing/2017/decorative" val="1"/>
+              </a:ext>
+            </a:extLst>
+          </p:cNvPr>
+          <p:cNvCxnSpPr>
+            <a:cxnSpLocks noGrp="1" noRot="1" noChangeAspect="1" noMove="1" noResize="1" noEditPoints="1" noAdjustHandles="1" noChangeArrowheads="1" noChangeShapeType="1"/>
+          </p:cNvCxnSpPr>
+          <p:nvPr>
+            <p:extLst>
+              <p:ext uri="{386F3935-93C4-4BCD-93E2-E3B085C9AB24}">
+                <p16:designElem xmlns:p16="http://schemas.microsoft.com/office/powerpoint/2015/main" val="1"/>
+              </p:ext>
+            </p:extLst>
+          </p:nvPr>
+        </p:nvCxnSpPr>
+        <p:spPr>
+          <a:xfrm>
+            <a:off x="7534656" y="1391367"/>
+            <a:ext cx="0" cy="3558208"/>
+          </a:xfrm>
+          <a:prstGeom prst="line">
+            <a:avLst/>
+          </a:prstGeom>
+          <a:ln>
+            <a:solidFill>
+              <a:schemeClr val="tx2"/>
+            </a:solidFill>
+          </a:ln>
+        </p:spPr>
+        <p:style>
+          <a:lnRef idx="1">
+            <a:schemeClr val="accent1"/>
+          </a:lnRef>
+          <a:fillRef idx="0">
+            <a:schemeClr val="accent1"/>
+          </a:fillRef>
+          <a:effectRef idx="0">
+            <a:schemeClr val="accent1"/>
+          </a:effectRef>
+          <a:fontRef idx="minor">
+            <a:schemeClr val="tx1"/>
+          </a:fontRef>
+        </p:style>
+      </p:cxnSp>
+      <p:sp>
+        <p:nvSpPr>
+          <p:cNvPr id="22" name="Rectangle 21">
+            <a:extLst>
+              <a:ext uri="{FF2B5EF4-FFF2-40B4-BE49-F238E27FC236}">
+                <a16:creationId xmlns:a16="http://schemas.microsoft.com/office/drawing/2014/main" id="{8A549DE7-671D-4575-AF43-858FD99981CF}"/>
+              </a:ext>
+              <a:ext uri="{C183D7F6-B498-43B3-948B-1728B52AA6E4}">
+                <adec:decorative xmlns:adec="http://schemas.microsoft.com/office/drawing/2017/decorative" val="1"/>
+              </a:ext>
+            </a:extLst>
+          </p:cNvPr>
+          <p:cNvSpPr>
+            <a:spLocks noGrp="1" noRot="1" noChangeAspect="1" noMove="1" noResize="1" noEditPoints="1" noAdjustHandles="1" noChangeArrowheads="1" noChangeShapeType="1" noTextEdit="1"/>
+          </p:cNvSpPr>
+          <p:nvPr>
+            <p:extLst>
+              <p:ext uri="{386F3935-93C4-4BCD-93E2-E3B085C9AB24}">
+                <p16:designElem xmlns:p16="http://schemas.microsoft.com/office/powerpoint/2015/main" val="1"/>
+              </p:ext>
+            </p:extLst>
+          </p:nvPr>
+        </p:nvSpPr>
+        <p:spPr>
+          <a:xfrm>
+            <a:off x="3175" y="6400800"/>
+            <a:ext cx="12188825" cy="457200"/>
+          </a:xfrm>
+          <a:prstGeom prst="rect">
+            <a:avLst/>
+          </a:prstGeom>
+          <a:solidFill>
+            <a:schemeClr val="accent2"/>
+          </a:solidFill>
+          <a:ln>
+            <a:noFill/>
+          </a:ln>
+        </p:spPr>
+        <p:style>
+          <a:lnRef idx="2">
+            <a:schemeClr val="accent1">
+              <a:shade val="50000"/>
+            </a:schemeClr>
+          </a:lnRef>
+          <a:fillRef idx="1">
+            <a:schemeClr val="accent1"/>
+          </a:fillRef>
+          <a:effectRef idx="0">
+            <a:schemeClr val="accent1"/>
+          </a:effectRef>
+          <a:fontRef idx="minor">
+            <a:schemeClr val="lt1"/>
+          </a:fontRef>
+        </p:style>
+      </p:sp>
+      <p:sp>
+        <p:nvSpPr>
+          <p:cNvPr id="31" name="Rectangle 23">
+            <a:extLst>
+              <a:ext uri="{FF2B5EF4-FFF2-40B4-BE49-F238E27FC236}">
+                <a16:creationId xmlns:a16="http://schemas.microsoft.com/office/drawing/2014/main" id="{C22D9B36-9BE7-472B-8808-7E0D6810738F}"/>
+              </a:ext>
+              <a:ext uri="{C183D7F6-B498-43B3-948B-1728B52AA6E4}">
+                <adec:decorative xmlns:adec="http://schemas.microsoft.com/office/drawing/2017/decorative" val="1"/>
+              </a:ext>
+            </a:extLst>
+          </p:cNvPr>
+          <p:cNvSpPr>
+            <a:spLocks noGrp="1" noRot="1" noChangeAspect="1" noMove="1" noResize="1" noEditPoints="1" noAdjustHandles="1" noChangeArrowheads="1" noChangeShapeType="1" noTextEdit="1"/>
+          </p:cNvSpPr>
+          <p:nvPr>
+            <p:extLst>
+              <p:ext uri="{386F3935-93C4-4BCD-93E2-E3B085C9AB24}">
+                <p16:designElem xmlns:p16="http://schemas.microsoft.com/office/powerpoint/2015/main" val="1"/>
+              </p:ext>
+            </p:extLst>
+          </p:nvPr>
+        </p:nvSpPr>
+        <p:spPr>
+          <a:xfrm>
+            <a:off x="15" y="6340942"/>
+            <a:ext cx="12188825" cy="64008"/>
+          </a:xfrm>
+          <a:prstGeom prst="rect">
+            <a:avLst/>
+          </a:prstGeom>
+          <a:solidFill>
+            <a:schemeClr val="accent1"/>
+          </a:solidFill>
+          <a:ln>
+            <a:noFill/>
+          </a:ln>
+        </p:spPr>
+        <p:style>
+          <a:lnRef idx="2">
+            <a:schemeClr val="accent1">
+              <a:shade val="50000"/>
+            </a:schemeClr>
+          </a:lnRef>
+          <a:fillRef idx="1">
+            <a:schemeClr val="accent1"/>
+          </a:fillRef>
+          <a:effectRef idx="0">
+            <a:schemeClr val="accent1"/>
+          </a:effectRef>
+          <a:fontRef idx="minor">
+            <a:schemeClr val="lt1"/>
+          </a:fontRef>
+        </p:style>
+      </p:sp>
+      <p:cxnSp>
+        <p:nvCxnSpPr>
+          <p:cNvPr id="23" name="Straight Connector 22">
+            <a:extLst>
+              <a:ext uri="{FF2B5EF4-FFF2-40B4-BE49-F238E27FC236}">
+                <a16:creationId xmlns:a16="http://schemas.microsoft.com/office/drawing/2014/main" id="{8E5F2A22-88E9-4852-AB7A-48BA17915732}"/>
+              </a:ext>
+            </a:extLst>
+          </p:cNvPr>
+          <p:cNvCxnSpPr>
+            <a:cxnSpLocks/>
+          </p:cNvCxnSpPr>
+          <p:nvPr/>
+        </p:nvCxnSpPr>
+        <p:spPr>
+          <a:xfrm flipV="1">
+            <a:off x="844240" y="1300515"/>
+            <a:ext cx="11110072" cy="31166"/>
+          </a:xfrm>
+          <a:prstGeom prst="line">
+            <a:avLst/>
+          </a:prstGeom>
+        </p:spPr>
+        <p:style>
+          <a:lnRef idx="1">
+            <a:schemeClr val="accent1"/>
+          </a:lnRef>
+          <a:fillRef idx="0">
+            <a:schemeClr val="accent1"/>
+          </a:fillRef>
+          <a:effectRef idx="0">
+            <a:schemeClr val="accent1"/>
+          </a:effectRef>
+          <a:fontRef idx="minor">
+            <a:schemeClr val="tx1"/>
+          </a:fontRef>
+        </p:style>
+      </p:cxnSp>
+      <p:sp>
+        <p:nvSpPr>
+          <p:cNvPr id="30" name="TextBox 29">
+            <a:extLst>
+              <a:ext uri="{FF2B5EF4-FFF2-40B4-BE49-F238E27FC236}">
+                <a16:creationId xmlns:a16="http://schemas.microsoft.com/office/drawing/2014/main" id="{77D28E29-D4BC-41E5-ADB2-A9425951C2B6}"/>
+              </a:ext>
+            </a:extLst>
+          </p:cNvPr>
+          <p:cNvSpPr txBox="1"/>
+          <p:nvPr/>
+        </p:nvSpPr>
+        <p:spPr>
+          <a:xfrm>
+            <a:off x="1440110" y="635414"/>
+            <a:ext cx="9311780" cy="620170"/>
+          </a:xfrm>
+          <a:prstGeom prst="rect">
+            <a:avLst/>
+          </a:prstGeom>
+          <a:noFill/>
+        </p:spPr>
+        <p:txBody>
+          <a:bodyPr wrap="square" rtlCol="0">
             <a:spAutoFit/>
           </a:bodyPr>
           <a:lstStyle/>
           <a:p>
-            <a:pPr defTabSz="914400">
+            <a:pPr algn="ctr" defTabSz="914400">
               <a:lnSpc>
                 <a:spcPct val="85000"/>
               </a:lnSpc>
@@ -4242,127 +4777,73 @@
               </a:spcBef>
             </a:pPr>
             <a:r>
-              <a:rPr lang="en-US" spc="-50" dirty="0">
+              <a:rPr lang="en-US" sz="4000" spc="-50" dirty="0">
                 <a:solidFill>
                   <a:schemeClr val="tx1">
                     <a:lumMod val="85000"/>
                     <a:lumOff val="15000"/>
                   </a:schemeClr>
                 </a:solidFill>
+                <a:latin typeface="+mj-lt"/>
+                <a:ea typeface="+mj-ea"/>
+                <a:cs typeface="+mj-cs"/>
               </a:rPr>
-              <a:t>1.</a:t>
-            </a:r>
-          </a:p>
-          <a:p>
-            <a:pPr defTabSz="914400">
-              <a:lnSpc>
-                <a:spcPct val="85000"/>
-              </a:lnSpc>
-              <a:spcBef>
-                <a:spcPct val="0"/>
-              </a:spcBef>
-            </a:pPr>
-            <a:r>
-              <a:rPr lang="en-US" spc="-50" dirty="0">
-                <a:solidFill>
-                  <a:schemeClr val="tx1">
-                    <a:lumMod val="85000"/>
-                    <a:lumOff val="15000"/>
-                  </a:schemeClr>
-                </a:solidFill>
-              </a:rPr>
-              <a:t>2.</a:t>
-            </a:r>
-          </a:p>
-          <a:p>
-            <a:pPr defTabSz="914400">
-              <a:lnSpc>
-                <a:spcPct val="85000"/>
-              </a:lnSpc>
-              <a:spcBef>
-                <a:spcPct val="0"/>
-              </a:spcBef>
-            </a:pPr>
-            <a:r>
-              <a:rPr lang="en-US" spc="-50" dirty="0">
-                <a:solidFill>
-                  <a:schemeClr val="tx1">
-                    <a:lumMod val="85000"/>
-                    <a:lumOff val="15000"/>
-                  </a:schemeClr>
-                </a:solidFill>
-              </a:rPr>
-              <a:t>3.</a:t>
+              <a:t>LIMITATIONS AND CHALLENGES</a:t>
             </a:r>
           </a:p>
         </p:txBody>
       </p:sp>
       <p:pic>
         <p:nvPicPr>
-          <p:cNvPr id="1026" name="Picture 2" descr="wildfire">
+          <p:cNvPr id="2" name="Picture 1">
             <a:extLst>
               <a:ext uri="{FF2B5EF4-FFF2-40B4-BE49-F238E27FC236}">
-                <a16:creationId xmlns:a16="http://schemas.microsoft.com/office/drawing/2014/main" id="{E7C286B6-1261-4413-9684-2B5B2F7F9936}"/>
+                <a16:creationId xmlns:a16="http://schemas.microsoft.com/office/drawing/2014/main" id="{3197BE26-BE09-4838-965A-29A287F8A20A}"/>
               </a:ext>
             </a:extLst>
           </p:cNvPr>
           <p:cNvPicPr>
-            <a:picLocks noGrp="1" noChangeAspect="1" noChangeArrowheads="1"/>
+            <a:picLocks noChangeAspect="1"/>
           </p:cNvPicPr>
-          <p:nvPr>
-            <p:ph type="pic" idx="1"/>
-          </p:nvPr>
+          <p:nvPr/>
         </p:nvPicPr>
         <p:blipFill>
-          <a:blip r:embed="rId2">
-            <a:extLst>
-              <a:ext uri="{28A0092B-C50C-407E-A947-70E740481C1C}">
-                <a14:useLocalDpi xmlns:a14="http://schemas.microsoft.com/office/drawing/2010/main" val="0"/>
-              </a:ext>
-            </a:extLst>
-          </a:blip>
-          <a:srcRect t="8670" b="8670"/>
+          <a:blip r:embed="rId2"/>
           <a:stretch>
             <a:fillRect/>
           </a:stretch>
         </p:blipFill>
-        <p:spPr bwMode="auto">
+        <p:spPr>
+          <a:xfrm>
+            <a:off x="7909006" y="1957846"/>
+            <a:ext cx="3888704" cy="2659187"/>
+          </a:xfrm>
+          <a:prstGeom prst="rect">
+            <a:avLst/>
+          </a:prstGeom>
+        </p:spPr>
+      </p:pic>
+      <p:sp>
+        <p:nvSpPr>
+          <p:cNvPr id="3" name="TextBox 2">
+            <a:extLst>
+              <a:ext uri="{FF2B5EF4-FFF2-40B4-BE49-F238E27FC236}">
+                <a16:creationId xmlns:a16="http://schemas.microsoft.com/office/drawing/2014/main" id="{ED5666E0-A3CE-4BE4-AFFC-0785250F8DE1}"/>
+              </a:ext>
+            </a:extLst>
+          </p:cNvPr>
+          <p:cNvSpPr txBox="1"/>
+          <p:nvPr/>
+        </p:nvSpPr>
+        <p:spPr>
+          <a:xfrm>
+            <a:off x="9496425" y="4742971"/>
+            <a:ext cx="1095369" cy="246221"/>
+          </a:xfrm>
           <a:prstGeom prst="rect">
             <a:avLst/>
           </a:prstGeom>
           <a:noFill/>
-          <a:extLst>
-            <a:ext uri="{909E8E84-426E-40DD-AFC4-6F175D3DCCD1}">
-              <a14:hiddenFill xmlns:a14="http://schemas.microsoft.com/office/drawing/2010/main">
-                <a:solidFill>
-                  <a:srgbClr val="FFFFFF"/>
-                </a:solidFill>
-              </a14:hiddenFill>
-            </a:ext>
-          </a:extLst>
-        </p:spPr>
-      </p:pic>
-      <p:sp>
-        <p:nvSpPr>
-          <p:cNvPr id="6" name="TextBox 5">
-            <a:extLst>
-              <a:ext uri="{FF2B5EF4-FFF2-40B4-BE49-F238E27FC236}">
-                <a16:creationId xmlns:a16="http://schemas.microsoft.com/office/drawing/2014/main" id="{72DE69B5-08E9-4B4A-8504-3958AE990557}"/>
-              </a:ext>
-            </a:extLst>
-          </p:cNvPr>
-          <p:cNvSpPr txBox="1"/>
-          <p:nvPr/>
-        </p:nvSpPr>
-        <p:spPr>
-          <a:xfrm flipH="1">
-            <a:off x="11308358" y="4999602"/>
-            <a:ext cx="1258349" cy="246221"/>
-          </a:xfrm>
-          <a:prstGeom prst="rect">
-            <a:avLst/>
-          </a:prstGeom>
-          <a:noFill/>
         </p:spPr>
         <p:txBody>
           <a:bodyPr wrap="square" rtlCol="0">
@@ -4372,7 +4853,7 @@
           <a:p>
             <a:r>
               <a:rPr lang="en-US" sz="1000" dirty="0"/>
-              <a:t>Picture 3</a:t>
+              <a:t>Picture 2</a:t>
             </a:r>
           </a:p>
         </p:txBody>
@@ -4380,7 +4861,7 @@
     </p:spTree>
     <p:extLst>
       <p:ext uri="{BB962C8B-B14F-4D97-AF65-F5344CB8AC3E}">
-        <p14:creationId xmlns:p14="http://schemas.microsoft.com/office/powerpoint/2010/main" val="1046711636"/>
+        <p14:creationId xmlns:p14="http://schemas.microsoft.com/office/powerpoint/2010/main" val="523254669"/>
       </p:ext>
     </p:extLst>
   </p:cSld>
@@ -4412,6 +4893,205 @@
           <p:cNvPr id="2" name="Title 1">
             <a:extLst>
               <a:ext uri="{FF2B5EF4-FFF2-40B4-BE49-F238E27FC236}">
+                <a16:creationId xmlns:a16="http://schemas.microsoft.com/office/drawing/2014/main" id="{E56E6028-DDBB-4CB0-8641-EC59A12FE225}"/>
+              </a:ext>
+            </a:extLst>
+          </p:cNvPr>
+          <p:cNvSpPr>
+            <a:spLocks noGrp="1"/>
+          </p:cNvSpPr>
+          <p:nvPr>
+            <p:ph type="title"/>
+          </p:nvPr>
+        </p:nvSpPr>
+        <p:spPr>
+          <a:xfrm>
+            <a:off x="234892" y="4753381"/>
+            <a:ext cx="10113264" cy="822960"/>
+          </a:xfrm>
+        </p:spPr>
+        <p:txBody>
+          <a:bodyPr/>
+          <a:lstStyle/>
+          <a:p>
+            <a:r>
+              <a:rPr lang="en-US" dirty="0"/>
+              <a:t>CONCLUSION</a:t>
+            </a:r>
+          </a:p>
+        </p:txBody>
+      </p:sp>
+      <p:sp>
+        <p:nvSpPr>
+          <p:cNvPr id="5" name="Text Placeholder 4">
+            <a:extLst>
+              <a:ext uri="{FF2B5EF4-FFF2-40B4-BE49-F238E27FC236}">
+                <a16:creationId xmlns:a16="http://schemas.microsoft.com/office/drawing/2014/main" id="{EAB498C9-6BA0-4A03-87E4-E6659968E035}"/>
+              </a:ext>
+            </a:extLst>
+          </p:cNvPr>
+          <p:cNvSpPr>
+            <a:spLocks noGrp="1"/>
+          </p:cNvSpPr>
+          <p:nvPr>
+            <p:ph type="body" sz="half" idx="2"/>
+          </p:nvPr>
+        </p:nvSpPr>
+        <p:spPr>
+          <a:xfrm>
+            <a:off x="234892" y="5660867"/>
+            <a:ext cx="11271308" cy="1061829"/>
+          </a:xfrm>
+          <a:prstGeom prst="rect">
+            <a:avLst/>
+          </a:prstGeom>
+        </p:spPr>
+        <p:txBody>
+          <a:bodyPr wrap="square">
+            <a:spAutoFit/>
+          </a:bodyPr>
+          <a:lstStyle/>
+          <a:p>
+            <a:r>
+              <a:rPr lang="en-US" dirty="0"/>
+              <a:t>1. The most number of significant fire sizes have been caused due to Debris Burning.</a:t>
+            </a:r>
+          </a:p>
+          <a:p>
+            <a:r>
+              <a:rPr lang="en-US" dirty="0"/>
+              <a:t>2. Summer, ideally from July through August, these two months , we have noticed the maximum number of fire occurrences.</a:t>
+            </a:r>
+          </a:p>
+          <a:p>
+            <a:r>
+              <a:rPr lang="en-US" dirty="0"/>
+              <a:t>3. Lightning has been observed as the most common reason of fire cause. </a:t>
+            </a:r>
+          </a:p>
+          <a:p>
+            <a:r>
+              <a:rPr lang="en-US" dirty="0"/>
+              <a:t>4. Geographic distribution of fire stays mostly the same over time.</a:t>
+            </a:r>
+          </a:p>
+        </p:txBody>
+      </p:sp>
+      <p:pic>
+        <p:nvPicPr>
+          <p:cNvPr id="1026" name="Picture 2" descr="wildfire">
+            <a:extLst>
+              <a:ext uri="{FF2B5EF4-FFF2-40B4-BE49-F238E27FC236}">
+                <a16:creationId xmlns:a16="http://schemas.microsoft.com/office/drawing/2014/main" id="{E7C286B6-1261-4413-9684-2B5B2F7F9936}"/>
+              </a:ext>
+            </a:extLst>
+          </p:cNvPr>
+          <p:cNvPicPr>
+            <a:picLocks noGrp="1" noChangeAspect="1" noChangeArrowheads="1"/>
+          </p:cNvPicPr>
+          <p:nvPr>
+            <p:ph type="pic" idx="1"/>
+          </p:nvPr>
+        </p:nvPicPr>
+        <p:blipFill>
+          <a:blip r:embed="rId2">
+            <a:extLst>
+              <a:ext uri="{28A0092B-C50C-407E-A947-70E740481C1C}">
+                <a14:useLocalDpi xmlns:a14="http://schemas.microsoft.com/office/drawing/2010/main" val="0"/>
+              </a:ext>
+            </a:extLst>
+          </a:blip>
+          <a:srcRect t="8670" b="8670"/>
+          <a:stretch>
+            <a:fillRect/>
+          </a:stretch>
+        </p:blipFill>
+        <p:spPr bwMode="auto">
+          <a:prstGeom prst="rect">
+            <a:avLst/>
+          </a:prstGeom>
+          <a:noFill/>
+          <a:extLst>
+            <a:ext uri="{909E8E84-426E-40DD-AFC4-6F175D3DCCD1}">
+              <a14:hiddenFill xmlns:a14="http://schemas.microsoft.com/office/drawing/2010/main">
+                <a:solidFill>
+                  <a:srgbClr val="FFFFFF"/>
+                </a:solidFill>
+              </a14:hiddenFill>
+            </a:ext>
+          </a:extLst>
+        </p:spPr>
+      </p:pic>
+      <p:sp>
+        <p:nvSpPr>
+          <p:cNvPr id="6" name="TextBox 5">
+            <a:extLst>
+              <a:ext uri="{FF2B5EF4-FFF2-40B4-BE49-F238E27FC236}">
+                <a16:creationId xmlns:a16="http://schemas.microsoft.com/office/drawing/2014/main" id="{72DE69B5-08E9-4B4A-8504-3958AE990557}"/>
+              </a:ext>
+            </a:extLst>
+          </p:cNvPr>
+          <p:cNvSpPr txBox="1"/>
+          <p:nvPr/>
+        </p:nvSpPr>
+        <p:spPr>
+          <a:xfrm flipH="1">
+            <a:off x="11308358" y="4999602"/>
+            <a:ext cx="1258349" cy="246221"/>
+          </a:xfrm>
+          <a:prstGeom prst="rect">
+            <a:avLst/>
+          </a:prstGeom>
+          <a:noFill/>
+        </p:spPr>
+        <p:txBody>
+          <a:bodyPr wrap="square" rtlCol="0">
+            <a:spAutoFit/>
+          </a:bodyPr>
+          <a:lstStyle/>
+          <a:p>
+            <a:r>
+              <a:rPr lang="en-US" sz="1000" dirty="0"/>
+              <a:t>Picture 3</a:t>
+            </a:r>
+          </a:p>
+        </p:txBody>
+      </p:sp>
+    </p:spTree>
+    <p:extLst>
+      <p:ext uri="{BB962C8B-B14F-4D97-AF65-F5344CB8AC3E}">
+        <p14:creationId xmlns:p14="http://schemas.microsoft.com/office/powerpoint/2010/main" val="1046711636"/>
+      </p:ext>
+    </p:extLst>
+  </p:cSld>
+  <p:clrMapOvr>
+    <a:masterClrMapping/>
+  </p:clrMapOvr>
+</p:sld>
+</file>
+
+<file path=ppt/slides/slide12.xml><?xml version="1.0" encoding="utf-8"?>
+<p:sld xmlns:a="http://schemas.openxmlformats.org/drawingml/2006/main" xmlns:r="http://schemas.openxmlformats.org/officeDocument/2006/relationships" xmlns:p="http://schemas.openxmlformats.org/presentationml/2006/main">
+  <p:cSld>
+    <p:spTree>
+      <p:nvGrpSpPr>
+        <p:cNvPr id="1" name=""/>
+        <p:cNvGrpSpPr/>
+        <p:nvPr/>
+      </p:nvGrpSpPr>
+      <p:grpSpPr>
+        <a:xfrm>
+          <a:off x="0" y="0"/>
+          <a:ext cx="0" cy="0"/>
+          <a:chOff x="0" y="0"/>
+          <a:chExt cx="0" cy="0"/>
+        </a:xfrm>
+      </p:grpSpPr>
+      <p:sp>
+        <p:nvSpPr>
+          <p:cNvPr id="2" name="Title 1">
+            <a:extLst>
+              <a:ext uri="{FF2B5EF4-FFF2-40B4-BE49-F238E27FC236}">
                 <a16:creationId xmlns:a16="http://schemas.microsoft.com/office/drawing/2014/main" id="{FD9B5C29-1AFD-439F-A4CA-F214630F0E14}"/>
               </a:ext>
             </a:extLst>
@@ -4455,7 +5135,7 @@
         <p:spPr>
           <a:xfrm>
             <a:off x="998290" y="2072081"/>
-            <a:ext cx="10536572" cy="3139321"/>
+            <a:ext cx="10536572" cy="2308324"/>
           </a:xfrm>
           <a:prstGeom prst="rect">
             <a:avLst/>
@@ -4472,35 +5152,31 @@
               <a:rPr lang="en-US" dirty="0"/>
               <a:t>1. Wildfire Dataset: </a:t>
             </a:r>
+            <a:r>
+              <a:rPr lang="en-US" dirty="0">
+                <a:hlinkClick r:id="rId2"/>
+              </a:rPr>
+              <a:t>https://www.kaggle.com/rtatman/188-million-us-wildfires</a:t>
+            </a:r>
+            <a:endParaRPr lang="en-US" dirty="0"/>
           </a:p>
           <a:p>
             <a:r>
               <a:rPr lang="en-US" dirty="0"/>
-              <a:t>2. Weather Dataset:</a:t>
-            </a:r>
+              <a:t>2. Weather Dataset: </a:t>
+            </a:r>
+            <a:r>
+              <a:rPr lang="en-US" dirty="0">
+                <a:hlinkClick r:id="rId3"/>
+              </a:rPr>
+              <a:t>ftp://ftp.ncdc.noaa.gov/pub/data/ghcn/daily/superghcnd/</a:t>
+            </a:r>
+            <a:endParaRPr lang="en-US" dirty="0"/>
           </a:p>
           <a:p>
             <a:r>
               <a:rPr lang="en-US" dirty="0"/>
-              <a:t>3.</a:t>
-            </a:r>
-          </a:p>
-          <a:p>
-            <a:r>
-              <a:rPr lang="en-US" dirty="0"/>
-              <a:t>4.</a:t>
-            </a:r>
-          </a:p>
-          <a:p>
-            <a:r>
-              <a:rPr lang="en-US" dirty="0"/>
-              <a:t>5.</a:t>
-            </a:r>
-          </a:p>
-          <a:p>
-            <a:r>
-              <a:rPr lang="en-US" dirty="0"/>
-              <a:t>6. Picture References on the Slide:</a:t>
+              <a:t>3. Picture References on the Slide:</a:t>
             </a:r>
           </a:p>
           <a:p>
@@ -4508,32 +5184,23 @@
               <a:buAutoNum type="alphaLcPeriod"/>
             </a:pPr>
             <a:r>
-              <a:rPr lang="en-US" dirty="0"/>
-              <a:t>Picture1 </a:t>
-            </a:r>
-            <a:r>
-              <a:rPr lang="en-US" i="1" dirty="0"/>
-              <a:t>on Slide 2- </a:t>
-            </a:r>
-            <a:r>
-              <a:rPr lang="en-US" i="1" dirty="0">
+              <a:rPr lang="en-US" dirty="0">
                 <a:solidFill>
                   <a:schemeClr val="tx1">
                     <a:lumMod val="95000"/>
                     <a:lumOff val="5000"/>
                   </a:schemeClr>
                 </a:solidFill>
-                <a:hlinkClick r:id="rId2">
-                  <a:extLst>
-                    <a:ext uri="{A12FA001-AC4F-418D-AE19-62706E023703}">
-                      <ahyp:hlinkClr xmlns:ahyp="http://schemas.microsoft.com/office/drawing/2018/hyperlinkcolor" val="tx"/>
-                    </a:ext>
-                  </a:extLst>
-                </a:hlinkClick>
               </a:rPr>
-              <a:t>https://firms.modaps.eosdis.nasa.gov/map/#z:2;c:46.4,-1.9;t:adv-points;d:2019-10-26..2019-10-26;l:firms_viirs,firms_modis_a,firms_modis_t</a:t>
-            </a:r>
-            <a:endParaRPr lang="en-US" i="1" dirty="0">
+              <a:t>Picture 1 on Slide 2- </a:t>
+            </a:r>
+            <a:r>
+              <a:rPr lang="en-US" dirty="0">
+                <a:hlinkClick r:id="rId4"/>
+              </a:rPr>
+              <a:t>https://firms.modaps.eosdis.nasa.gov/map/#z:3;c:0.0,0.0;d:2019-11-14..2019-11-15</a:t>
+            </a:r>
+            <a:endParaRPr lang="en-US" dirty="0">
               <a:solidFill>
                 <a:schemeClr val="tx1">
                   <a:lumMod val="95000"/>
@@ -4566,34 +5233,8 @@
                   </a:schemeClr>
                 </a:solidFill>
               </a:rPr>
-              <a:t>on Slide 3- </a:t>
-            </a:r>
-            <a:r>
-              <a:rPr lang="en-US" i="1" dirty="0">
-                <a:solidFill>
-                  <a:schemeClr val="tx1">
-                    <a:lumMod val="95000"/>
-                    <a:lumOff val="5000"/>
-                  </a:schemeClr>
-                </a:solidFill>
-                <a:hlinkClick r:id="rId3">
-                  <a:extLst>
-                    <a:ext uri="{A12FA001-AC4F-418D-AE19-62706E023703}">
-                      <ahyp:hlinkClr xmlns:ahyp="http://schemas.microsoft.com/office/drawing/2018/hyperlinkcolor" val="tx"/>
-                    </a:ext>
-                  </a:extLst>
-                </a:hlinkClick>
-              </a:rPr>
-              <a:t>https://earthsky.org/earth/wildfires-summer-2019-esa-world-fire-atlas</a:t>
-            </a:r>
-            <a:endParaRPr lang="en-US" i="1" dirty="0">
-              <a:solidFill>
-                <a:schemeClr val="tx1">
-                  <a:lumMod val="95000"/>
-                  <a:lumOff val="5000"/>
-                </a:schemeClr>
-              </a:solidFill>
-            </a:endParaRPr>
+              <a:t>on Slide 10 - https://en-author-services.edanzgroup.com/blogs/how-write-about-your-study-limitations-without-limiting-your-impact</a:t>
+            </a:r>
           </a:p>
           <a:p>
             <a:pPr marL="342900" indent="-342900">
@@ -4629,7 +5270,7 @@
                     <a:lumOff val="5000"/>
                   </a:schemeClr>
                 </a:solidFill>
-                <a:hlinkClick r:id="rId4">
+                <a:hlinkClick r:id="rId5">
                   <a:extLst>
                     <a:ext uri="{A12FA001-AC4F-418D-AE19-62706E023703}">
                       <ahyp:hlinkClr xmlns:ahyp="http://schemas.microsoft.com/office/drawing/2018/hyperlinkcolor" val="tx"/>
@@ -5488,6 +6129,14 @@
 <file path=ppt/slides/slide3.xml><?xml version="1.0" encoding="utf-8"?>
 <p:sld xmlns:a="http://schemas.openxmlformats.org/drawingml/2006/main" xmlns:r="http://schemas.openxmlformats.org/officeDocument/2006/relationships" xmlns:p="http://schemas.openxmlformats.org/presentationml/2006/main">
   <p:cSld>
+    <p:bg>
+      <p:bgPr>
+        <a:solidFill>
+          <a:schemeClr val="bg1"/>
+        </a:solidFill>
+        <a:effectLst/>
+      </p:bgPr>
+    </p:bg>
     <p:spTree>
       <p:nvGrpSpPr>
         <p:cNvPr id="1" name=""/>
@@ -5502,12 +6151,237 @@
           <a:chExt cx="0" cy="0"/>
         </a:xfrm>
       </p:grpSpPr>
+      <p:sp>
+        <p:nvSpPr>
+          <p:cNvPr id="22" name="Rectangle 10">
+            <a:extLst>
+              <a:ext uri="{FF2B5EF4-FFF2-40B4-BE49-F238E27FC236}">
+                <a16:creationId xmlns:a16="http://schemas.microsoft.com/office/drawing/2014/main" id="{4E4490D0-3672-446A-AC12-B4830333BDDD}"/>
+              </a:ext>
+              <a:ext uri="{C183D7F6-B498-43B3-948B-1728B52AA6E4}">
+                <adec:decorative xmlns:adec="http://schemas.microsoft.com/office/drawing/2017/decorative" val="1"/>
+              </a:ext>
+            </a:extLst>
+          </p:cNvPr>
+          <p:cNvSpPr>
+            <a:spLocks noGrp="1" noRot="1" noChangeAspect="1" noMove="1" noResize="1" noEditPoints="1" noAdjustHandles="1" noChangeArrowheads="1" noChangeShapeType="1" noTextEdit="1"/>
+          </p:cNvSpPr>
+          <p:nvPr>
+            <p:extLst>
+              <p:ext uri="{386F3935-93C4-4BCD-93E2-E3B085C9AB24}">
+                <p16:designElem xmlns:p16="http://schemas.microsoft.com/office/powerpoint/2015/main" val="1"/>
+              </p:ext>
+            </p:extLst>
+          </p:nvPr>
+        </p:nvSpPr>
+        <p:spPr>
+          <a:xfrm>
+            <a:off x="3175" y="6400800"/>
+            <a:ext cx="12188825" cy="457200"/>
+          </a:xfrm>
+          <a:prstGeom prst="rect">
+            <a:avLst/>
+          </a:prstGeom>
+          <a:solidFill>
+            <a:schemeClr val="accent2"/>
+          </a:solidFill>
+          <a:ln>
+            <a:noFill/>
+          </a:ln>
+        </p:spPr>
+        <p:style>
+          <a:lnRef idx="2">
+            <a:schemeClr val="accent1">
+              <a:shade val="50000"/>
+            </a:schemeClr>
+          </a:lnRef>
+          <a:fillRef idx="1">
+            <a:schemeClr val="accent1"/>
+          </a:fillRef>
+          <a:effectRef idx="0">
+            <a:schemeClr val="accent1"/>
+          </a:effectRef>
+          <a:fontRef idx="minor">
+            <a:schemeClr val="lt1"/>
+          </a:fontRef>
+        </p:style>
+      </p:sp>
+      <p:sp>
+        <p:nvSpPr>
+          <p:cNvPr id="23" name="Rectangle 12">
+            <a:extLst>
+              <a:ext uri="{FF2B5EF4-FFF2-40B4-BE49-F238E27FC236}">
+                <a16:creationId xmlns:a16="http://schemas.microsoft.com/office/drawing/2014/main" id="{39CB82C2-DF65-4EC1-8280-F201D50F570B}"/>
+              </a:ext>
+              <a:ext uri="{C183D7F6-B498-43B3-948B-1728B52AA6E4}">
+                <adec:decorative xmlns:adec="http://schemas.microsoft.com/office/drawing/2017/decorative" val="1"/>
+              </a:ext>
+            </a:extLst>
+          </p:cNvPr>
+          <p:cNvSpPr>
+            <a:spLocks noGrp="1" noRot="1" noChangeAspect="1" noMove="1" noResize="1" noEditPoints="1" noAdjustHandles="1" noChangeArrowheads="1" noChangeShapeType="1" noTextEdit="1"/>
+          </p:cNvSpPr>
+          <p:nvPr>
+            <p:extLst>
+              <p:ext uri="{386F3935-93C4-4BCD-93E2-E3B085C9AB24}">
+                <p16:designElem xmlns:p16="http://schemas.microsoft.com/office/powerpoint/2015/main" val="1"/>
+              </p:ext>
+            </p:extLst>
+          </p:nvPr>
+        </p:nvSpPr>
+        <p:spPr>
+          <a:xfrm>
+            <a:off x="15" y="6334316"/>
+            <a:ext cx="12188825" cy="64008"/>
+          </a:xfrm>
+          <a:prstGeom prst="rect">
+            <a:avLst/>
+          </a:prstGeom>
+          <a:solidFill>
+            <a:schemeClr val="accent1"/>
+          </a:solidFill>
+          <a:ln>
+            <a:noFill/>
+          </a:ln>
+        </p:spPr>
+        <p:style>
+          <a:lnRef idx="2">
+            <a:schemeClr val="accent1">
+              <a:shade val="50000"/>
+            </a:schemeClr>
+          </a:lnRef>
+          <a:fillRef idx="1">
+            <a:schemeClr val="accent1"/>
+          </a:fillRef>
+          <a:effectRef idx="0">
+            <a:schemeClr val="accent1"/>
+          </a:effectRef>
+          <a:fontRef idx="minor">
+            <a:schemeClr val="lt1"/>
+          </a:fontRef>
+        </p:style>
+      </p:sp>
+      <p:cxnSp>
+        <p:nvCxnSpPr>
+          <p:cNvPr id="24" name="Straight Connector 14">
+            <a:extLst>
+              <a:ext uri="{FF2B5EF4-FFF2-40B4-BE49-F238E27FC236}">
+                <a16:creationId xmlns:a16="http://schemas.microsoft.com/office/drawing/2014/main" id="{7E1D4427-852B-4B37-8E76-0E9F1810BA2A}"/>
+              </a:ext>
+              <a:ext uri="{C183D7F6-B498-43B3-948B-1728B52AA6E4}">
+                <adec:decorative xmlns:adec="http://schemas.microsoft.com/office/drawing/2017/decorative" val="1"/>
+              </a:ext>
+            </a:extLst>
+          </p:cNvPr>
+          <p:cNvCxnSpPr>
+            <a:cxnSpLocks noGrp="1" noRot="1" noChangeAspect="1" noMove="1" noResize="1" noEditPoints="1" noAdjustHandles="1" noChangeArrowheads="1" noChangeShapeType="1"/>
+          </p:cNvCxnSpPr>
+          <p:nvPr>
+            <p:extLst>
+              <p:ext uri="{386F3935-93C4-4BCD-93E2-E3B085C9AB24}">
+                <p16:designElem xmlns:p16="http://schemas.microsoft.com/office/powerpoint/2015/main" val="1"/>
+              </p:ext>
+            </p:extLst>
+          </p:nvPr>
+        </p:nvCxnSpPr>
+        <p:spPr>
+          <a:xfrm>
+            <a:off x="1207658" y="4343400"/>
+            <a:ext cx="9875520" cy="0"/>
+          </a:xfrm>
+          <a:prstGeom prst="line">
+            <a:avLst/>
+          </a:prstGeom>
+          <a:ln w="6350">
+            <a:solidFill>
+              <a:schemeClr val="tx1">
+                <a:lumMod val="50000"/>
+                <a:lumOff val="50000"/>
+              </a:schemeClr>
+            </a:solidFill>
+          </a:ln>
+        </p:spPr>
+        <p:style>
+          <a:lnRef idx="1">
+            <a:schemeClr val="accent1"/>
+          </a:lnRef>
+          <a:fillRef idx="0">
+            <a:schemeClr val="accent1"/>
+          </a:fillRef>
+          <a:effectRef idx="0">
+            <a:schemeClr val="accent1"/>
+          </a:effectRef>
+          <a:fontRef idx="minor">
+            <a:schemeClr val="tx1"/>
+          </a:fontRef>
+        </p:style>
+      </p:cxnSp>
+      <p:sp useBgFill="1">
+        <p:nvSpPr>
+          <p:cNvPr id="25" name="Rectangle 16">
+            <a:extLst>
+              <a:ext uri="{FF2B5EF4-FFF2-40B4-BE49-F238E27FC236}">
+                <a16:creationId xmlns:a16="http://schemas.microsoft.com/office/drawing/2014/main" id="{5A1B47C8-47A0-4A88-8830-6DEA3B5DE392}"/>
+              </a:ext>
+              <a:ext uri="{C183D7F6-B498-43B3-948B-1728B52AA6E4}">
+                <adec:decorative xmlns:adec="http://schemas.microsoft.com/office/drawing/2017/decorative" val="1"/>
+              </a:ext>
+            </a:extLst>
+          </p:cNvPr>
+          <p:cNvSpPr>
+            <a:spLocks noGrp="1" noRot="1" noChangeAspect="1" noMove="1" noResize="1" noEditPoints="1" noAdjustHandles="1" noChangeArrowheads="1" noChangeShapeType="1" noTextEdit="1"/>
+          </p:cNvSpPr>
+          <p:nvPr>
+            <p:extLst>
+              <p:ext uri="{386F3935-93C4-4BCD-93E2-E3B085C9AB24}">
+                <p16:designElem xmlns:p16="http://schemas.microsoft.com/office/powerpoint/2015/main" val="1"/>
+              </p:ext>
+            </p:extLst>
+          </p:nvPr>
+        </p:nvSpPr>
+        <p:spPr>
+          <a:xfrm>
+            <a:off x="0" y="0"/>
+            <a:ext cx="12192000" cy="6858000"/>
+          </a:xfrm>
+          <a:prstGeom prst="rect">
+            <a:avLst/>
+          </a:prstGeom>
+          <a:ln>
+            <a:noFill/>
+          </a:ln>
+        </p:spPr>
+        <p:style>
+          <a:lnRef idx="2">
+            <a:schemeClr val="accent1">
+              <a:shade val="50000"/>
+            </a:schemeClr>
+          </a:lnRef>
+          <a:fillRef idx="1001">
+            <a:schemeClr val="lt1"/>
+          </a:fillRef>
+          <a:effectRef idx="0">
+            <a:schemeClr val="accent1"/>
+          </a:effectRef>
+          <a:fontRef idx="minor">
+            <a:schemeClr val="lt1"/>
+          </a:fontRef>
+        </p:style>
+        <p:txBody>
+          <a:bodyPr rtlCol="0" anchor="ctr"/>
+          <a:lstStyle/>
+          <a:p>
+            <a:pPr algn="ctr"/>
+            <a:endParaRPr lang="en-US"/>
+          </a:p>
+        </p:txBody>
+      </p:sp>
       <p:pic>
         <p:nvPicPr>
-          <p:cNvPr id="3" name="Picture 2">
+          <p:cNvPr id="6" name="Picture 5">
             <a:extLst>
               <a:ext uri="{FF2B5EF4-FFF2-40B4-BE49-F238E27FC236}">
-                <a16:creationId xmlns:a16="http://schemas.microsoft.com/office/drawing/2014/main" id="{F3C266B7-2285-4483-96B3-0FC9ECFB544E}"/>
+                <a16:creationId xmlns:a16="http://schemas.microsoft.com/office/drawing/2014/main" id="{E153B5A9-61D7-4E4F-802E-9F58445487B8}"/>
               </a:ext>
             </a:extLst>
           </p:cNvPr>
@@ -5517,21 +6391,82 @@
           <p:nvPr/>
         </p:nvPicPr>
         <p:blipFill>
-          <a:blip r:embed="rId2"/>
+          <a:blip r:embed="rId2">
+            <a:extLst>
+              <a:ext uri="{28A0092B-C50C-407E-A947-70E740481C1C}">
+                <a14:useLocalDpi xmlns:a14="http://schemas.microsoft.com/office/drawing/2010/main" val="0"/>
+              </a:ext>
+            </a:extLst>
+          </a:blip>
           <a:stretch>
             <a:fillRect/>
           </a:stretch>
         </p:blipFill>
         <p:spPr>
           <a:xfrm>
-            <a:off x="1954635" y="1895912"/>
-            <a:ext cx="8405769" cy="4163756"/>
+            <a:off x="669493" y="320040"/>
+            <a:ext cx="6217920" cy="6217920"/>
           </a:xfrm>
           <a:prstGeom prst="rect">
             <a:avLst/>
           </a:prstGeom>
         </p:spPr>
       </p:pic>
+      <p:sp>
+        <p:nvSpPr>
+          <p:cNvPr id="26" name="Rectangle 18">
+            <a:extLst>
+              <a:ext uri="{FF2B5EF4-FFF2-40B4-BE49-F238E27FC236}">
+                <a16:creationId xmlns:a16="http://schemas.microsoft.com/office/drawing/2014/main" id="{984BBFDD-E720-4805-A9C8-129FBBF6DD70}"/>
+              </a:ext>
+              <a:ext uri="{C183D7F6-B498-43B3-948B-1728B52AA6E4}">
+                <adec:decorative xmlns:adec="http://schemas.microsoft.com/office/drawing/2017/decorative" val="1"/>
+              </a:ext>
+            </a:extLst>
+          </p:cNvPr>
+          <p:cNvSpPr>
+            <a:spLocks noGrp="1" noRot="1" noChangeAspect="1" noMove="1" noResize="1" noEditPoints="1" noAdjustHandles="1" noChangeArrowheads="1" noChangeShapeType="1" noTextEdit="1"/>
+          </p:cNvSpPr>
+          <p:nvPr>
+            <p:extLst>
+              <p:ext uri="{386F3935-93C4-4BCD-93E2-E3B085C9AB24}">
+                <p16:designElem xmlns:p16="http://schemas.microsoft.com/office/powerpoint/2015/main" val="1"/>
+              </p:ext>
+            </p:extLst>
+          </p:nvPr>
+        </p:nvSpPr>
+        <p:spPr bwMode="white">
+          <a:xfrm>
+            <a:off x="7613486" y="0"/>
+            <a:ext cx="4584734" cy="6858000"/>
+          </a:xfrm>
+          <a:prstGeom prst="rect">
+            <a:avLst/>
+          </a:prstGeom>
+          <a:solidFill>
+            <a:schemeClr val="accent2"/>
+          </a:solidFill>
+          <a:ln>
+            <a:noFill/>
+          </a:ln>
+        </p:spPr>
+        <p:style>
+          <a:lnRef idx="2">
+            <a:schemeClr val="accent1">
+              <a:shade val="50000"/>
+            </a:schemeClr>
+          </a:lnRef>
+          <a:fillRef idx="1">
+            <a:schemeClr val="accent1"/>
+          </a:fillRef>
+          <a:effectRef idx="0">
+            <a:schemeClr val="accent1"/>
+          </a:effectRef>
+          <a:fontRef idx="minor">
+            <a:schemeClr val="lt1"/>
+          </a:fontRef>
+        </p:style>
+      </p:sp>
       <p:sp>
         <p:nvSpPr>
           <p:cNvPr id="2" name="Title 1">
@@ -5550,59 +6485,81 @@
         </p:nvSpPr>
         <p:spPr>
           <a:xfrm>
-            <a:off x="872455" y="798332"/>
-            <a:ext cx="10805020" cy="737334"/>
-          </a:xfrm>
-        </p:spPr>
-        <p:txBody>
-          <a:bodyPr>
+            <a:off x="8096885" y="640080"/>
+            <a:ext cx="3659246" cy="2926080"/>
+          </a:xfrm>
+        </p:spPr>
+        <p:txBody>
+          <a:bodyPr vert="horz" lIns="91440" tIns="45720" rIns="91440" bIns="45720" rtlCol="0" anchor="b">
             <a:normAutofit/>
           </a:bodyPr>
           <a:lstStyle/>
           <a:p>
-            <a:pPr algn="ctr"/>
-            <a:r>
-              <a:rPr lang="en-US" dirty="0"/>
-              <a:t>Wildfire Trend – 2019 Vs 2018 by month</a:t>
-            </a:r>
-          </a:p>
-        </p:txBody>
-      </p:sp>
-      <p:sp>
-        <p:nvSpPr>
-          <p:cNvPr id="4" name="TextBox 3">
+            <a:r>
+              <a:rPr lang="en-US" sz="4400">
+                <a:solidFill>
+                  <a:srgbClr val="FFFFFF"/>
+                </a:solidFill>
+              </a:rPr>
+              <a:t>Wildfire Trend – 2000-2015 by month</a:t>
+            </a:r>
+          </a:p>
+        </p:txBody>
+      </p:sp>
+      <p:sp>
+        <p:nvSpPr>
+          <p:cNvPr id="21" name="Rectangle 20">
             <a:extLst>
               <a:ext uri="{FF2B5EF4-FFF2-40B4-BE49-F238E27FC236}">
-                <a16:creationId xmlns:a16="http://schemas.microsoft.com/office/drawing/2014/main" id="{1672ED91-183F-4898-9516-B4B54E10E4D2}"/>
+                <a16:creationId xmlns:a16="http://schemas.microsoft.com/office/drawing/2014/main" id="{5AC4BE46-4A77-42FE-9D15-065CDB2F847C}"/>
+              </a:ext>
+              <a:ext uri="{C183D7F6-B498-43B3-948B-1728B52AA6E4}">
+                <adec:decorative xmlns:adec="http://schemas.microsoft.com/office/drawing/2017/decorative" val="1"/>
               </a:ext>
             </a:extLst>
           </p:cNvPr>
-          <p:cNvSpPr txBox="1"/>
-          <p:nvPr/>
-        </p:nvSpPr>
-        <p:spPr>
-          <a:xfrm>
-            <a:off x="5410899" y="5956183"/>
-            <a:ext cx="1929468" cy="246221"/>
+          <p:cNvSpPr>
+            <a:spLocks noGrp="1" noRot="1" noChangeAspect="1" noMove="1" noResize="1" noEditPoints="1" noAdjustHandles="1" noChangeArrowheads="1" noChangeShapeType="1" noTextEdit="1"/>
+          </p:cNvSpPr>
+          <p:nvPr>
+            <p:extLst>
+              <p:ext uri="{386F3935-93C4-4BCD-93E2-E3B085C9AB24}">
+                <p16:designElem xmlns:p16="http://schemas.microsoft.com/office/powerpoint/2015/main" val="1"/>
+              </p:ext>
+            </p:extLst>
+          </p:nvPr>
+        </p:nvSpPr>
+        <p:spPr>
+          <a:xfrm>
+            <a:off x="7556906" y="0"/>
+            <a:ext cx="64008" cy="6858000"/>
           </a:xfrm>
           <a:prstGeom prst="rect">
             <a:avLst/>
           </a:prstGeom>
-          <a:noFill/>
-        </p:spPr>
-        <p:txBody>
-          <a:bodyPr wrap="square" rtlCol="0">
-            <a:spAutoFit/>
-          </a:bodyPr>
-          <a:lstStyle/>
-          <a:p>
-            <a:pPr algn="ctr"/>
-            <a:r>
-              <a:rPr lang="en-US" sz="1000" dirty="0"/>
-              <a:t>Picture 2</a:t>
-            </a:r>
-          </a:p>
-        </p:txBody>
+          <a:solidFill>
+            <a:schemeClr val="accent1"/>
+          </a:solidFill>
+          <a:ln>
+            <a:noFill/>
+          </a:ln>
+        </p:spPr>
+        <p:style>
+          <a:lnRef idx="2">
+            <a:schemeClr val="accent1">
+              <a:shade val="50000"/>
+            </a:schemeClr>
+          </a:lnRef>
+          <a:fillRef idx="1">
+            <a:schemeClr val="accent1"/>
+          </a:fillRef>
+          <a:effectRef idx="0">
+            <a:schemeClr val="accent1"/>
+          </a:effectRef>
+          <a:fontRef idx="minor">
+            <a:schemeClr val="lt1"/>
+          </a:fontRef>
+        </p:style>
       </p:sp>
     </p:spTree>
     <p:extLst>
@@ -5670,31 +6627,6 @@
           </a:p>
         </p:txBody>
       </p:sp>
-      <p:sp>
-        <p:nvSpPr>
-          <p:cNvPr id="3" name="Subtitle 2">
-            <a:extLst>
-              <a:ext uri="{FF2B5EF4-FFF2-40B4-BE49-F238E27FC236}">
-                <a16:creationId xmlns:a16="http://schemas.microsoft.com/office/drawing/2014/main" id="{C3BC5AF1-64A3-4E62-9F12-63A17BA2EB18}"/>
-              </a:ext>
-            </a:extLst>
-          </p:cNvPr>
-          <p:cNvSpPr>
-            <a:spLocks noGrp="1"/>
-          </p:cNvSpPr>
-          <p:nvPr>
-            <p:ph type="subTitle" idx="1"/>
-          </p:nvPr>
-        </p:nvSpPr>
-        <p:spPr/>
-        <p:txBody>
-          <a:bodyPr/>
-          <a:lstStyle/>
-          <a:p>
-            <a:endParaRPr lang="en-US" dirty="0"/>
-          </a:p>
-        </p:txBody>
-      </p:sp>
       <p:cxnSp>
         <p:nvCxnSpPr>
           <p:cNvPr id="4" name="Straight Connector 3">
@@ -5733,6 +6665,80 @@
           </a:fontRef>
         </p:style>
       </p:cxnSp>
+      <p:pic>
+        <p:nvPicPr>
+          <p:cNvPr id="6" name="Picture 5">
+            <a:extLst>
+              <a:ext uri="{FF2B5EF4-FFF2-40B4-BE49-F238E27FC236}">
+                <a16:creationId xmlns:a16="http://schemas.microsoft.com/office/drawing/2014/main" id="{17CD15C4-AC88-486D-8987-64DCD8B8EBA2}"/>
+              </a:ext>
+            </a:extLst>
+          </p:cNvPr>
+          <p:cNvPicPr>
+            <a:picLocks noChangeAspect="1"/>
+          </p:cNvPicPr>
+          <p:nvPr/>
+        </p:nvPicPr>
+        <p:blipFill>
+          <a:blip r:embed="rId2">
+            <a:extLst>
+              <a:ext uri="{28A0092B-C50C-407E-A947-70E740481C1C}">
+                <a14:useLocalDpi xmlns:a14="http://schemas.microsoft.com/office/drawing/2010/main" val="0"/>
+              </a:ext>
+            </a:extLst>
+          </a:blip>
+          <a:stretch>
+            <a:fillRect/>
+          </a:stretch>
+        </p:blipFill>
+        <p:spPr>
+          <a:xfrm>
+            <a:off x="1066800" y="1796676"/>
+            <a:ext cx="10372725" cy="3264648"/>
+          </a:xfrm>
+          <a:prstGeom prst="rect">
+            <a:avLst/>
+          </a:prstGeom>
+        </p:spPr>
+      </p:pic>
+      <p:sp>
+        <p:nvSpPr>
+          <p:cNvPr id="8" name="Subtitle 7">
+            <a:extLst>
+              <a:ext uri="{FF2B5EF4-FFF2-40B4-BE49-F238E27FC236}">
+                <a16:creationId xmlns:a16="http://schemas.microsoft.com/office/drawing/2014/main" id="{7EC4B908-9829-41CB-BDF2-7B514DAC8E5E}"/>
+              </a:ext>
+            </a:extLst>
+          </p:cNvPr>
+          <p:cNvSpPr>
+            <a:spLocks noGrp="1"/>
+          </p:cNvSpPr>
+          <p:nvPr>
+            <p:ph type="subTitle" idx="1"/>
+          </p:nvPr>
+        </p:nvSpPr>
+        <p:spPr>
+          <a:xfrm>
+            <a:off x="1066800" y="5374526"/>
+            <a:ext cx="10058400" cy="678355"/>
+          </a:xfrm>
+        </p:spPr>
+        <p:txBody>
+          <a:bodyPr/>
+          <a:lstStyle/>
+          <a:p>
+            <a:pPr algn="ctr"/>
+            <a:r>
+              <a:rPr lang="en-US" dirty="0"/>
+              <a:t>HOW DOES THE CAUSE OF FIRE AFFECT THE FIRE SIZE?</a:t>
+            </a:r>
+          </a:p>
+          <a:p>
+            <a:pPr algn="ctr"/>
+            <a:endParaRPr lang="en-US" dirty="0"/>
+          </a:p>
+        </p:txBody>
+      </p:sp>
     </p:spTree>
     <p:extLst>
       <p:ext uri="{BB962C8B-B14F-4D97-AF65-F5344CB8AC3E}">
@@ -5768,7 +6774,7 @@
           <p:cNvPr id="2" name="Title 1">
             <a:extLst>
               <a:ext uri="{FF2B5EF4-FFF2-40B4-BE49-F238E27FC236}">
-                <a16:creationId xmlns:a16="http://schemas.microsoft.com/office/drawing/2014/main" id="{DF6FDB42-221D-4FB2-B781-00201FE689B7}"/>
+                <a16:creationId xmlns:a16="http://schemas.microsoft.com/office/drawing/2014/main" id="{A6225133-02A7-49D8-B713-935064F9A3BA}"/>
               </a:ext>
             </a:extLst>
           </p:cNvPr>
@@ -5776,15 +6782,10 @@
             <a:spLocks noGrp="1"/>
           </p:cNvSpPr>
           <p:nvPr>
-            <p:ph type="ctrTitle"/>
-          </p:nvPr>
-        </p:nvSpPr>
-        <p:spPr>
-          <a:xfrm>
-            <a:off x="1066800" y="583795"/>
-            <a:ext cx="10058400" cy="868512"/>
-          </a:xfrm>
-        </p:spPr>
+            <p:ph type="title"/>
+          </p:nvPr>
+        </p:nvSpPr>
+        <p:spPr/>
         <p:txBody>
           <a:bodyPr>
             <a:normAutofit/>
@@ -5794,17 +6795,17 @@
             <a:pPr algn="ctr"/>
             <a:r>
               <a:rPr lang="en-US" sz="4000" dirty="0"/>
-              <a:t>QUESTION AND DATA</a:t>
-            </a:r>
-          </a:p>
-        </p:txBody>
-      </p:sp>
-      <p:sp>
-        <p:nvSpPr>
-          <p:cNvPr id="3" name="Subtitle 2">
+              <a:t>ANALYSIS</a:t>
+            </a:r>
+          </a:p>
+        </p:txBody>
+      </p:sp>
+      <p:sp>
+        <p:nvSpPr>
+          <p:cNvPr id="3" name="Content Placeholder 2">
             <a:extLst>
               <a:ext uri="{FF2B5EF4-FFF2-40B4-BE49-F238E27FC236}">
-                <a16:creationId xmlns:a16="http://schemas.microsoft.com/office/drawing/2014/main" id="{C3BC5AF1-64A3-4E62-9F12-63A17BA2EB18}"/>
+                <a16:creationId xmlns:a16="http://schemas.microsoft.com/office/drawing/2014/main" id="{B227B1B3-A947-4263-82D1-9AD6E453CF7C}"/>
               </a:ext>
             </a:extLst>
           </p:cNvPr>
@@ -5812,60 +6813,148 @@
             <a:spLocks noGrp="1"/>
           </p:cNvSpPr>
           <p:nvPr>
-            <p:ph type="subTitle" idx="1"/>
+            <p:ph idx="1"/>
           </p:nvPr>
         </p:nvSpPr>
         <p:spPr/>
         <p:txBody>
-          <a:bodyPr/>
+          <a:bodyPr>
+            <a:normAutofit fontScale="92500" lnSpcReduction="20000"/>
+          </a:bodyPr>
           <a:lstStyle/>
           <a:p>
+            <a:pPr>
+              <a:buFont typeface="Wingdings" panose="05000000000000000000" pitchFamily="2" charset="2"/>
+              <a:buChar char="v"/>
+            </a:pPr>
+            <a:r>
+              <a:rPr lang="en-US" dirty="0"/>
+              <a:t> f-test p-value: 6.01e-07</a:t>
+            </a:r>
+            <a:br>
+              <a:rPr lang="en-US" dirty="0"/>
+            </a:br>
             <a:endParaRPr lang="en-US" dirty="0"/>
           </a:p>
-        </p:txBody>
-      </p:sp>
-      <p:cxnSp>
-        <p:nvCxnSpPr>
-          <p:cNvPr id="4" name="Straight Connector 3">
+          <a:p>
+            <a:pPr>
+              <a:buFont typeface="Wingdings" panose="05000000000000000000" pitchFamily="2" charset="2"/>
+              <a:buChar char="v"/>
+            </a:pPr>
+            <a:r>
+              <a:rPr lang="en-US" dirty="0"/>
+              <a:t> Kruskal p-value: Too small to calculate (~=0) </a:t>
+            </a:r>
+          </a:p>
+          <a:p>
+            <a:endParaRPr lang="en-US" dirty="0"/>
+          </a:p>
+          <a:p>
+            <a:pPr>
+              <a:buFont typeface="Wingdings" panose="05000000000000000000" pitchFamily="2" charset="2"/>
+              <a:buChar char="v"/>
+            </a:pPr>
+            <a:r>
+              <a:rPr lang="en-US" dirty="0"/>
+              <a:t> Paired t-testing results:</a:t>
+            </a:r>
+            <a:br>
+              <a:rPr lang="en-US" dirty="0"/>
+            </a:br>
+            <a:endParaRPr lang="en-US" dirty="0"/>
+          </a:p>
+          <a:p>
+            <a:pPr lvl="1">
+              <a:buFont typeface="Wingdings" panose="05000000000000000000" pitchFamily="2" charset="2"/>
+              <a:buChar char="§"/>
+            </a:pPr>
+            <a:r>
+              <a:rPr lang="en-US" dirty="0"/>
+              <a:t>Children - Equipment Use</a:t>
+            </a:r>
+          </a:p>
+          <a:p>
+            <a:pPr lvl="1">
+              <a:buFont typeface="Wingdings" panose="05000000000000000000" pitchFamily="2" charset="2"/>
+              <a:buChar char="§"/>
+            </a:pPr>
+            <a:r>
+              <a:rPr lang="en-US" dirty="0"/>
+              <a:t>Debris Burning - Equipment Use</a:t>
+            </a:r>
+          </a:p>
+          <a:p>
+            <a:pPr lvl="1">
+              <a:buFont typeface="Wingdings" panose="05000000000000000000" pitchFamily="2" charset="2"/>
+              <a:buChar char="§"/>
+            </a:pPr>
+            <a:r>
+              <a:rPr lang="en-US" dirty="0"/>
+              <a:t>Debris Burning – Lightning</a:t>
+            </a:r>
+          </a:p>
+          <a:p>
+            <a:pPr lvl="1">
+              <a:buFont typeface="Wingdings" panose="05000000000000000000" pitchFamily="2" charset="2"/>
+              <a:buChar char="§"/>
+            </a:pPr>
+            <a:r>
+              <a:rPr lang="en-US" dirty="0"/>
+              <a:t>Debris Burning – Miscellaneous</a:t>
+            </a:r>
+          </a:p>
+          <a:p>
+            <a:pPr lvl="1">
+              <a:buFont typeface="Wingdings" panose="05000000000000000000" pitchFamily="2" charset="2"/>
+              <a:buChar char="§"/>
+            </a:pPr>
+            <a:r>
+              <a:rPr lang="en-US" dirty="0"/>
+              <a:t>Debris Burning - Missing/Undefined</a:t>
+            </a:r>
+          </a:p>
+          <a:p>
+            <a:br>
+              <a:rPr lang="en-US" dirty="0"/>
+            </a:br>
+            <a:endParaRPr lang="en-US" dirty="0"/>
+          </a:p>
+        </p:txBody>
+      </p:sp>
+      <p:pic>
+        <p:nvPicPr>
+          <p:cNvPr id="4" name="Picture 3">
             <a:extLst>
               <a:ext uri="{FF2B5EF4-FFF2-40B4-BE49-F238E27FC236}">
-                <a16:creationId xmlns:a16="http://schemas.microsoft.com/office/drawing/2014/main" id="{F3A06D0B-F362-465D-BCEE-B5ADD34022A6}"/>
+                <a16:creationId xmlns:a16="http://schemas.microsoft.com/office/drawing/2014/main" id="{633CF28D-E75B-46C9-8400-0C63A8BEB11F}"/>
               </a:ext>
             </a:extLst>
           </p:cNvPr>
-          <p:cNvCxnSpPr>
-            <a:cxnSpLocks/>
-          </p:cNvCxnSpPr>
+          <p:cNvPicPr>
+            <a:picLocks noChangeAspect="1"/>
+          </p:cNvPicPr>
           <p:nvPr/>
-        </p:nvCxnSpPr>
-        <p:spPr>
-          <a:xfrm flipV="1">
-            <a:off x="835851" y="1452307"/>
-            <a:ext cx="11110072" cy="31166"/>
-          </a:xfrm>
-          <a:prstGeom prst="line">
+        </p:nvPicPr>
+        <p:blipFill>
+          <a:blip r:embed="rId2"/>
+          <a:stretch>
+            <a:fillRect/>
+          </a:stretch>
+        </p:blipFill>
+        <p:spPr>
+          <a:xfrm>
+            <a:off x="5805487" y="1933364"/>
+            <a:ext cx="5857875" cy="3848100"/>
+          </a:xfrm>
+          <a:prstGeom prst="rect">
             <a:avLst/>
           </a:prstGeom>
         </p:spPr>
-        <p:style>
-          <a:lnRef idx="1">
-            <a:schemeClr val="accent1"/>
-          </a:lnRef>
-          <a:fillRef idx="0">
-            <a:schemeClr val="accent1"/>
-          </a:fillRef>
-          <a:effectRef idx="0">
-            <a:schemeClr val="accent1"/>
-          </a:effectRef>
-          <a:fontRef idx="minor">
-            <a:schemeClr val="tx1"/>
-          </a:fontRef>
-        </p:style>
-      </p:cxnSp>
+      </p:pic>
     </p:spTree>
     <p:extLst>
       <p:ext uri="{BB962C8B-B14F-4D97-AF65-F5344CB8AC3E}">
-        <p14:creationId xmlns:p14="http://schemas.microsoft.com/office/powerpoint/2010/main" val="285513599"/>
+        <p14:creationId xmlns:p14="http://schemas.microsoft.com/office/powerpoint/2010/main" val="3875998485"/>
       </p:ext>
     </p:extLst>
   </p:cSld>
@@ -5949,7 +7038,18 @@
           <a:bodyPr/>
           <a:lstStyle/>
           <a:p>
-            <a:endParaRPr lang="en-US" dirty="0"/>
+            <a:pPr algn="ctr"/>
+            <a:r>
+              <a:rPr lang="en-US" dirty="0"/>
+              <a:t>HOW DOES THE GEOGRAPHIC DISTRIBUTION </a:t>
+            </a:r>
+          </a:p>
+          <a:p>
+            <a:pPr algn="ctr"/>
+            <a:r>
+              <a:rPr lang="en-US" dirty="0"/>
+              <a:t>OF FIRES CHANGE OVER TIME?</a:t>
+            </a:r>
           </a:p>
         </p:txBody>
       </p:sp>
@@ -5991,10 +7091,46 @@
           </a:fontRef>
         </p:style>
       </p:cxnSp>
+      <p:pic>
+        <p:nvPicPr>
+          <p:cNvPr id="11" name="Picture 10">
+            <a:extLst>
+              <a:ext uri="{FF2B5EF4-FFF2-40B4-BE49-F238E27FC236}">
+                <a16:creationId xmlns:a16="http://schemas.microsoft.com/office/drawing/2014/main" id="{B1236222-2876-43EA-A147-FA382B8031EB}"/>
+              </a:ext>
+            </a:extLst>
+          </p:cNvPr>
+          <p:cNvPicPr>
+            <a:picLocks noChangeAspect="1"/>
+          </p:cNvPicPr>
+          <p:nvPr/>
+        </p:nvPicPr>
+        <p:blipFill>
+          <a:blip r:embed="rId2">
+            <a:extLst>
+              <a:ext uri="{28A0092B-C50C-407E-A947-70E740481C1C}">
+                <a14:useLocalDpi xmlns:a14="http://schemas.microsoft.com/office/drawing/2010/main" val="0"/>
+              </a:ext>
+            </a:extLst>
+          </a:blip>
+          <a:stretch>
+            <a:fillRect/>
+          </a:stretch>
+        </p:blipFill>
+        <p:spPr>
+          <a:xfrm>
+            <a:off x="2581275" y="1564272"/>
+            <a:ext cx="6829425" cy="2672082"/>
+          </a:xfrm>
+          <a:prstGeom prst="rect">
+            <a:avLst/>
+          </a:prstGeom>
+        </p:spPr>
+      </p:pic>
     </p:spTree>
     <p:extLst>
       <p:ext uri="{BB962C8B-B14F-4D97-AF65-F5344CB8AC3E}">
-        <p14:creationId xmlns:p14="http://schemas.microsoft.com/office/powerpoint/2010/main" val="2553220091"/>
+        <p14:creationId xmlns:p14="http://schemas.microsoft.com/office/powerpoint/2010/main" val="1950300704"/>
       </p:ext>
     </p:extLst>
   </p:cSld>
@@ -6023,10 +7159,10 @@
       </p:grpSpPr>
       <p:sp>
         <p:nvSpPr>
-          <p:cNvPr id="6" name="Content Placeholder 5">
+          <p:cNvPr id="2" name="Title 1">
             <a:extLst>
               <a:ext uri="{FF2B5EF4-FFF2-40B4-BE49-F238E27FC236}">
-                <a16:creationId xmlns:a16="http://schemas.microsoft.com/office/drawing/2014/main" id="{481C3539-37AD-49B7-ADA7-B409F77318DD}"/>
+                <a16:creationId xmlns:a16="http://schemas.microsoft.com/office/drawing/2014/main" id="{DF6FDB42-221D-4FB2-B781-00201FE689B7}"/>
               </a:ext>
             </a:extLst>
           </p:cNvPr>
@@ -6034,80 +7170,54 @@
             <a:spLocks noGrp="1"/>
           </p:cNvSpPr>
           <p:nvPr>
-            <p:ph idx="1"/>
-          </p:nvPr>
-        </p:nvSpPr>
-        <p:spPr>
-          <a:xfrm>
-            <a:off x="4800600" y="1818020"/>
-            <a:ext cx="6492240" cy="4171300"/>
-          </a:xfrm>
-        </p:spPr>
+            <p:ph type="ctrTitle"/>
+          </p:nvPr>
+        </p:nvSpPr>
+        <p:spPr>
+          <a:xfrm>
+            <a:off x="1066800" y="583795"/>
+            <a:ext cx="10058400" cy="868512"/>
+          </a:xfrm>
+        </p:spPr>
+        <p:txBody>
+          <a:bodyPr>
+            <a:normAutofit/>
+          </a:bodyPr>
+          <a:lstStyle/>
+          <a:p>
+            <a:pPr algn="ctr"/>
+            <a:r>
+              <a:rPr lang="en-US" sz="4000" dirty="0"/>
+              <a:t>QUESTION AND DATA</a:t>
+            </a:r>
+          </a:p>
+        </p:txBody>
+      </p:sp>
+      <p:sp>
+        <p:nvSpPr>
+          <p:cNvPr id="3" name="Subtitle 2">
+            <a:extLst>
+              <a:ext uri="{FF2B5EF4-FFF2-40B4-BE49-F238E27FC236}">
+                <a16:creationId xmlns:a16="http://schemas.microsoft.com/office/drawing/2014/main" id="{C3BC5AF1-64A3-4E62-9F12-63A17BA2EB18}"/>
+              </a:ext>
+            </a:extLst>
+          </p:cNvPr>
+          <p:cNvSpPr>
+            <a:spLocks noGrp="1"/>
+          </p:cNvSpPr>
+          <p:nvPr>
+            <p:ph type="subTitle" idx="1"/>
+          </p:nvPr>
+        </p:nvSpPr>
+        <p:spPr/>
         <p:txBody>
           <a:bodyPr/>
           <a:lstStyle/>
           <a:p>
+            <a:pPr algn="ctr"/>
             <a:r>
               <a:rPr lang="en-US" dirty="0"/>
-              <a:t>1. </a:t>
-            </a:r>
-          </a:p>
-          <a:p>
-            <a:endParaRPr lang="en-US" dirty="0"/>
-          </a:p>
-          <a:p>
-            <a:endParaRPr lang="en-US" dirty="0"/>
-          </a:p>
-          <a:p>
-            <a:r>
-              <a:rPr lang="en-US" dirty="0"/>
-              <a:t>2.</a:t>
-            </a:r>
-          </a:p>
-          <a:p>
-            <a:endParaRPr lang="en-US" dirty="0"/>
-          </a:p>
-          <a:p>
-            <a:endParaRPr lang="en-US" dirty="0"/>
-          </a:p>
-          <a:p>
-            <a:r>
-              <a:rPr lang="en-US" dirty="0"/>
-              <a:t>3. </a:t>
-            </a:r>
-          </a:p>
-        </p:txBody>
-      </p:sp>
-      <p:sp>
-        <p:nvSpPr>
-          <p:cNvPr id="7" name="Text Placeholder 6">
-            <a:extLst>
-              <a:ext uri="{FF2B5EF4-FFF2-40B4-BE49-F238E27FC236}">
-                <a16:creationId xmlns:a16="http://schemas.microsoft.com/office/drawing/2014/main" id="{78A86CA0-EA8F-4A83-BC01-0F6AF7EF6E10}"/>
-              </a:ext>
-            </a:extLst>
-          </p:cNvPr>
-          <p:cNvSpPr>
-            <a:spLocks noGrp="1"/>
-          </p:cNvSpPr>
-          <p:nvPr>
-            <p:ph type="body" sz="half" idx="2"/>
-          </p:nvPr>
-        </p:nvSpPr>
-        <p:spPr>
-          <a:xfrm>
-            <a:off x="457200" y="1602297"/>
-            <a:ext cx="3200400" cy="4702907"/>
-          </a:xfrm>
-        </p:spPr>
-        <p:txBody>
-          <a:bodyPr/>
-          <a:lstStyle/>
-          <a:p>
-            <a:pPr algn="ctr"/>
-            <a:r>
-              <a:rPr lang="en-US" dirty="0"/>
-              <a:t>ALGORITHM</a:t>
+              <a:t>DOES THE SEASON/TIME OF YEAR HAVE AN AFFECT ON THE NUMBER OF FIRES?</a:t>
             </a:r>
           </a:p>
         </p:txBody>
@@ -6150,313 +7260,40 @@
           </a:fontRef>
         </p:style>
       </p:cxnSp>
-      <p:sp>
-        <p:nvSpPr>
-          <p:cNvPr id="9" name="TextBox 8">
+      <p:pic>
+        <p:nvPicPr>
+          <p:cNvPr id="5" name="Picture 4">
             <a:extLst>
               <a:ext uri="{FF2B5EF4-FFF2-40B4-BE49-F238E27FC236}">
-                <a16:creationId xmlns:a16="http://schemas.microsoft.com/office/drawing/2014/main" id="{0124DA21-D47E-4A3A-9E39-62003482C993}"/>
+                <a16:creationId xmlns:a16="http://schemas.microsoft.com/office/drawing/2014/main" id="{CB1844F8-F692-4C70-964D-7C4CA397590D}"/>
               </a:ext>
             </a:extLst>
           </p:cNvPr>
-          <p:cNvSpPr txBox="1"/>
+          <p:cNvPicPr>
+            <a:picLocks noChangeAspect="1"/>
+          </p:cNvPicPr>
           <p:nvPr/>
-        </p:nvSpPr>
-        <p:spPr>
-          <a:xfrm>
-            <a:off x="1440110" y="635414"/>
-            <a:ext cx="9311780" cy="620170"/>
+        </p:nvPicPr>
+        <p:blipFill>
+          <a:blip r:embed="rId2"/>
+          <a:stretch>
+            <a:fillRect/>
+          </a:stretch>
+        </p:blipFill>
+        <p:spPr>
+          <a:xfrm>
+            <a:off x="1900237" y="1744288"/>
+            <a:ext cx="8391525" cy="2388184"/>
           </a:xfrm>
           <a:prstGeom prst="rect">
             <a:avLst/>
           </a:prstGeom>
-          <a:noFill/>
-        </p:spPr>
-        <p:txBody>
-          <a:bodyPr wrap="square" rtlCol="0">
-            <a:spAutoFit/>
-          </a:bodyPr>
-          <a:lstStyle/>
-          <a:p>
-            <a:pPr algn="ctr" defTabSz="914400">
-              <a:lnSpc>
-                <a:spcPct val="85000"/>
-              </a:lnSpc>
-              <a:spcBef>
-                <a:spcPct val="0"/>
-              </a:spcBef>
-            </a:pPr>
-            <a:r>
-              <a:rPr lang="en-US" sz="4000" spc="-50" dirty="0">
-                <a:solidFill>
-                  <a:schemeClr val="tx1">
-                    <a:lumMod val="85000"/>
-                    <a:lumOff val="15000"/>
-                  </a:schemeClr>
-                </a:solidFill>
-                <a:latin typeface="+mj-lt"/>
-                <a:ea typeface="+mj-ea"/>
-                <a:cs typeface="+mj-cs"/>
-              </a:rPr>
-              <a:t>DATA CLEAN UP AND EXPLORATION</a:t>
-            </a:r>
-          </a:p>
-        </p:txBody>
-      </p:sp>
-      <p:sp>
-        <p:nvSpPr>
-          <p:cNvPr id="3" name="Arrow: Down 2">
-            <a:extLst>
-              <a:ext uri="{FF2B5EF4-FFF2-40B4-BE49-F238E27FC236}">
-                <a16:creationId xmlns:a16="http://schemas.microsoft.com/office/drawing/2014/main" id="{BFE09A65-E05D-43DF-AFB9-B7456FD59544}"/>
-              </a:ext>
-            </a:extLst>
-          </p:cNvPr>
-          <p:cNvSpPr/>
-          <p:nvPr/>
-        </p:nvSpPr>
-        <p:spPr>
-          <a:xfrm>
-            <a:off x="1845578" y="3031775"/>
-            <a:ext cx="419450" cy="620786"/>
-          </a:xfrm>
-          <a:prstGeom prst="downArrow">
-            <a:avLst/>
-          </a:prstGeom>
-        </p:spPr>
-        <p:style>
-          <a:lnRef idx="2">
-            <a:schemeClr val="accent1">
-              <a:shade val="50000"/>
-            </a:schemeClr>
-          </a:lnRef>
-          <a:fillRef idx="1">
-            <a:schemeClr val="accent1"/>
-          </a:fillRef>
-          <a:effectRef idx="0">
-            <a:schemeClr val="accent1"/>
-          </a:effectRef>
-          <a:fontRef idx="minor">
-            <a:schemeClr val="lt1"/>
-          </a:fontRef>
-        </p:style>
-        <p:txBody>
-          <a:bodyPr rtlCol="0" anchor="ctr"/>
-          <a:lstStyle/>
-          <a:p>
-            <a:pPr algn="ctr"/>
-            <a:endParaRPr lang="en-US"/>
-          </a:p>
-        </p:txBody>
-      </p:sp>
-      <p:sp>
-        <p:nvSpPr>
-          <p:cNvPr id="5" name="Rectangle 4">
-            <a:extLst>
-              <a:ext uri="{FF2B5EF4-FFF2-40B4-BE49-F238E27FC236}">
-                <a16:creationId xmlns:a16="http://schemas.microsoft.com/office/drawing/2014/main" id="{723D9E8C-6A62-44A8-8AB2-9AE577677AB7}"/>
-              </a:ext>
-            </a:extLst>
-          </p:cNvPr>
-          <p:cNvSpPr/>
-          <p:nvPr/>
-        </p:nvSpPr>
-        <p:spPr>
-          <a:xfrm>
-            <a:off x="520117" y="3687701"/>
-            <a:ext cx="3200400" cy="686557"/>
-          </a:xfrm>
-          <a:prstGeom prst="rect">
-            <a:avLst/>
-          </a:prstGeom>
-        </p:spPr>
-        <p:style>
-          <a:lnRef idx="2">
-            <a:schemeClr val="accent1">
-              <a:shade val="50000"/>
-            </a:schemeClr>
-          </a:lnRef>
-          <a:fillRef idx="1">
-            <a:schemeClr val="accent1"/>
-          </a:fillRef>
-          <a:effectRef idx="0">
-            <a:schemeClr val="accent1"/>
-          </a:effectRef>
-          <a:fontRef idx="minor">
-            <a:schemeClr val="lt1"/>
-          </a:fontRef>
-        </p:style>
-        <p:txBody>
-          <a:bodyPr rtlCol="0" anchor="ctr"/>
-          <a:lstStyle/>
-          <a:p>
-            <a:pPr algn="ctr"/>
-            <a:r>
-              <a:rPr lang="en-US" dirty="0"/>
-              <a:t>PERFORM DATA CLEANING</a:t>
-            </a:r>
-          </a:p>
-        </p:txBody>
-      </p:sp>
-      <p:sp>
-        <p:nvSpPr>
-          <p:cNvPr id="10" name="Arrow: Down 9">
-            <a:extLst>
-              <a:ext uri="{FF2B5EF4-FFF2-40B4-BE49-F238E27FC236}">
-                <a16:creationId xmlns:a16="http://schemas.microsoft.com/office/drawing/2014/main" id="{9ACEF10F-C7FB-40A8-ACE3-2621E40F6099}"/>
-              </a:ext>
-            </a:extLst>
-          </p:cNvPr>
-          <p:cNvSpPr/>
-          <p:nvPr/>
-        </p:nvSpPr>
-        <p:spPr>
-          <a:xfrm>
-            <a:off x="1845578" y="4469811"/>
-            <a:ext cx="419450" cy="620786"/>
-          </a:xfrm>
-          <a:prstGeom prst="downArrow">
-            <a:avLst/>
-          </a:prstGeom>
-        </p:spPr>
-        <p:style>
-          <a:lnRef idx="2">
-            <a:schemeClr val="accent1">
-              <a:shade val="50000"/>
-            </a:schemeClr>
-          </a:lnRef>
-          <a:fillRef idx="1">
-            <a:schemeClr val="accent1"/>
-          </a:fillRef>
-          <a:effectRef idx="0">
-            <a:schemeClr val="accent1"/>
-          </a:effectRef>
-          <a:fontRef idx="minor">
-            <a:schemeClr val="lt1"/>
-          </a:fontRef>
-        </p:style>
-        <p:txBody>
-          <a:bodyPr rtlCol="0" anchor="ctr"/>
-          <a:lstStyle/>
-          <a:p>
-            <a:pPr algn="ctr"/>
-            <a:endParaRPr lang="en-US"/>
-          </a:p>
-        </p:txBody>
-      </p:sp>
-      <p:sp>
-        <p:nvSpPr>
-          <p:cNvPr id="8" name="Oval 7">
-            <a:extLst>
-              <a:ext uri="{FF2B5EF4-FFF2-40B4-BE49-F238E27FC236}">
-                <a16:creationId xmlns:a16="http://schemas.microsoft.com/office/drawing/2014/main" id="{67D40774-9472-4F6D-B472-3DCA50BA0FED}"/>
-              </a:ext>
-            </a:extLst>
-          </p:cNvPr>
-          <p:cNvSpPr/>
-          <p:nvPr/>
-        </p:nvSpPr>
-        <p:spPr>
-          <a:xfrm>
-            <a:off x="520117" y="5247172"/>
-            <a:ext cx="3200400" cy="1052981"/>
-          </a:xfrm>
-          <a:prstGeom prst="ellipse">
-            <a:avLst/>
-          </a:prstGeom>
-        </p:spPr>
-        <p:style>
-          <a:lnRef idx="2">
-            <a:schemeClr val="accent1">
-              <a:shade val="50000"/>
-            </a:schemeClr>
-          </a:lnRef>
-          <a:fillRef idx="1">
-            <a:schemeClr val="accent1"/>
-          </a:fillRef>
-          <a:effectRef idx="0">
-            <a:schemeClr val="accent1"/>
-          </a:effectRef>
-          <a:fontRef idx="minor">
-            <a:schemeClr val="lt1"/>
-          </a:fontRef>
-        </p:style>
-        <p:txBody>
-          <a:bodyPr rtlCol="0" anchor="ctr"/>
-          <a:lstStyle/>
-          <a:p>
-            <a:pPr algn="ctr"/>
-            <a:r>
-              <a:rPr lang="en-US" dirty="0"/>
-              <a:t>ANALYSIS</a:t>
-            </a:r>
-          </a:p>
-          <a:p>
-            <a:pPr algn="ctr"/>
-            <a:r>
-              <a:rPr lang="en-US" dirty="0"/>
-              <a:t>GRAPHS AND PLOTS</a:t>
-            </a:r>
-          </a:p>
-        </p:txBody>
-      </p:sp>
-      <p:sp>
-        <p:nvSpPr>
-          <p:cNvPr id="11" name="Rectangle: Rounded Corners 10">
-            <a:extLst>
-              <a:ext uri="{FF2B5EF4-FFF2-40B4-BE49-F238E27FC236}">
-                <a16:creationId xmlns:a16="http://schemas.microsoft.com/office/drawing/2014/main" id="{B96D8697-00DF-432A-8847-79F9E61E481F}"/>
-              </a:ext>
-            </a:extLst>
-          </p:cNvPr>
-          <p:cNvSpPr/>
-          <p:nvPr/>
-        </p:nvSpPr>
-        <p:spPr>
-          <a:xfrm>
-            <a:off x="835851" y="1991708"/>
-            <a:ext cx="2582662" cy="914475"/>
-          </a:xfrm>
-          <a:prstGeom prst="roundRect">
-            <a:avLst/>
-          </a:prstGeom>
-        </p:spPr>
-        <p:style>
-          <a:lnRef idx="2">
-            <a:schemeClr val="accent1">
-              <a:shade val="50000"/>
-            </a:schemeClr>
-          </a:lnRef>
-          <a:fillRef idx="1">
-            <a:schemeClr val="accent1"/>
-          </a:fillRef>
-          <a:effectRef idx="0">
-            <a:schemeClr val="accent1"/>
-          </a:effectRef>
-          <a:fontRef idx="minor">
-            <a:schemeClr val="lt1"/>
-          </a:fontRef>
-        </p:style>
-        <p:txBody>
-          <a:bodyPr rtlCol="0" anchor="ctr"/>
-          <a:lstStyle/>
-          <a:p>
-            <a:pPr algn="ctr"/>
-            <a:r>
-              <a:rPr lang="en-US" dirty="0"/>
-              <a:t>COLLECT WILDFIRE DATA (KAGGLE)</a:t>
-            </a:r>
-          </a:p>
-          <a:p>
-            <a:pPr algn="ctr"/>
-            <a:endParaRPr lang="en-US" dirty="0"/>
-          </a:p>
-        </p:txBody>
-      </p:sp>
+        </p:spPr>
+      </p:pic>
     </p:spTree>
     <p:extLst>
       <p:ext uri="{BB962C8B-B14F-4D97-AF65-F5344CB8AC3E}">
-        <p14:creationId xmlns:p14="http://schemas.microsoft.com/office/powerpoint/2010/main" val="767688443"/>
+        <p14:creationId xmlns:p14="http://schemas.microsoft.com/office/powerpoint/2010/main" val="285513599"/>
       </p:ext>
     </p:extLst>
   </p:cSld>
@@ -6485,10 +7322,10 @@
       </p:grpSpPr>
       <p:sp>
         <p:nvSpPr>
-          <p:cNvPr id="6" name="Content Placeholder 5">
+          <p:cNvPr id="2" name="Title 1">
             <a:extLst>
               <a:ext uri="{FF2B5EF4-FFF2-40B4-BE49-F238E27FC236}">
-                <a16:creationId xmlns:a16="http://schemas.microsoft.com/office/drawing/2014/main" id="{481C3539-37AD-49B7-ADA7-B409F77318DD}"/>
+                <a16:creationId xmlns:a16="http://schemas.microsoft.com/office/drawing/2014/main" id="{A6225133-02A7-49D8-B713-935064F9A3BA}"/>
               </a:ext>
             </a:extLst>
           </p:cNvPr>
@@ -6496,29 +7333,30 @@
             <a:spLocks noGrp="1"/>
           </p:cNvSpPr>
           <p:nvPr>
-            <p:ph idx="1"/>
-          </p:nvPr>
-        </p:nvSpPr>
-        <p:spPr>
-          <a:xfrm>
-            <a:off x="4800600" y="1818020"/>
-            <a:ext cx="6492240" cy="4171300"/>
-          </a:xfrm>
-        </p:spPr>
-        <p:txBody>
-          <a:bodyPr/>
+            <p:ph type="title"/>
+          </p:nvPr>
+        </p:nvSpPr>
+        <p:spPr/>
+        <p:txBody>
+          <a:bodyPr>
+            <a:normAutofit/>
+          </a:bodyPr>
           <a:lstStyle/>
           <a:p>
-            <a:endParaRPr lang="en-US" dirty="0"/>
-          </a:p>
-        </p:txBody>
-      </p:sp>
-      <p:sp>
-        <p:nvSpPr>
-          <p:cNvPr id="7" name="Text Placeholder 6">
+            <a:pPr algn="ctr"/>
+            <a:r>
+              <a:rPr lang="en-US" sz="4000" dirty="0"/>
+              <a:t>ANALYSIS</a:t>
+            </a:r>
+          </a:p>
+        </p:txBody>
+      </p:sp>
+      <p:sp>
+        <p:nvSpPr>
+          <p:cNvPr id="3" name="Content Placeholder 2">
             <a:extLst>
               <a:ext uri="{FF2B5EF4-FFF2-40B4-BE49-F238E27FC236}">
-                <a16:creationId xmlns:a16="http://schemas.microsoft.com/office/drawing/2014/main" id="{78A86CA0-EA8F-4A83-BC01-0F6AF7EF6E10}"/>
+                <a16:creationId xmlns:a16="http://schemas.microsoft.com/office/drawing/2014/main" id="{B227B1B3-A947-4263-82D1-9AD6E453CF7C}"/>
               </a:ext>
             </a:extLst>
           </p:cNvPr>
@@ -6526,121 +7364,99 @@
             <a:spLocks noGrp="1"/>
           </p:cNvSpPr>
           <p:nvPr>
-            <p:ph type="body" sz="half" idx="2"/>
-          </p:nvPr>
-        </p:nvSpPr>
-        <p:spPr>
-          <a:xfrm>
-            <a:off x="457200" y="1985801"/>
-            <a:ext cx="3200400" cy="4319403"/>
-          </a:xfrm>
-        </p:spPr>
-        <p:txBody>
-          <a:bodyPr/>
+            <p:ph idx="1"/>
+          </p:nvPr>
+        </p:nvSpPr>
+        <p:spPr/>
+        <p:txBody>
+          <a:bodyPr>
+            <a:normAutofit/>
+          </a:bodyPr>
           <a:lstStyle/>
           <a:p>
+            <a:pPr>
+              <a:buFont typeface="Wingdings" panose="05000000000000000000" pitchFamily="2" charset="2"/>
+              <a:buChar char="v"/>
+            </a:pPr>
             <a:r>
               <a:rPr lang="en-US" dirty="0"/>
-              <a:t>Types of graphs and analysis</a:t>
-            </a:r>
-          </a:p>
-        </p:txBody>
-      </p:sp>
-      <p:cxnSp>
-        <p:nvCxnSpPr>
-          <p:cNvPr id="4" name="Straight Connector 3">
+              <a:t> Critical Value:  19.67513757268249</a:t>
+            </a:r>
+            <a:br>
+              <a:rPr lang="en-US" dirty="0"/>
+            </a:br>
+            <a:endParaRPr lang="en-US" dirty="0"/>
+          </a:p>
+          <a:p>
+            <a:pPr>
+              <a:buFont typeface="Wingdings" panose="05000000000000000000" pitchFamily="2" charset="2"/>
+              <a:buChar char="v"/>
+            </a:pPr>
+            <a:r>
+              <a:rPr lang="en-US" dirty="0"/>
+              <a:t> Chi-squared test p-value: </a:t>
+            </a:r>
+          </a:p>
+          <a:p>
+            <a:pPr marL="0" indent="0">
+              <a:buNone/>
+            </a:pPr>
+            <a:r>
+              <a:rPr lang="en-US" dirty="0"/>
+              <a:t>     Too small to calculate (~=0) </a:t>
+            </a:r>
+          </a:p>
+          <a:p>
+            <a:endParaRPr lang="en-US" dirty="0"/>
+          </a:p>
+          <a:p>
+            <a:br>
+              <a:rPr lang="en-US" dirty="0"/>
+            </a:br>
+            <a:endParaRPr lang="en-US" dirty="0"/>
+          </a:p>
+        </p:txBody>
+      </p:sp>
+      <p:pic>
+        <p:nvPicPr>
+          <p:cNvPr id="8" name="Picture 7">
             <a:extLst>
               <a:ext uri="{FF2B5EF4-FFF2-40B4-BE49-F238E27FC236}">
-                <a16:creationId xmlns:a16="http://schemas.microsoft.com/office/drawing/2014/main" id="{F3A06D0B-F362-465D-BCEE-B5ADD34022A6}"/>
+                <a16:creationId xmlns:a16="http://schemas.microsoft.com/office/drawing/2014/main" id="{1F620EB2-279B-468A-B573-5EFF3E1F7261}"/>
               </a:ext>
             </a:extLst>
           </p:cNvPr>
-          <p:cNvCxnSpPr>
-            <a:cxnSpLocks/>
-          </p:cNvCxnSpPr>
+          <p:cNvPicPr>
+            <a:picLocks noChangeAspect="1"/>
+          </p:cNvPicPr>
           <p:nvPr/>
-        </p:nvCxnSpPr>
-        <p:spPr>
-          <a:xfrm flipV="1">
-            <a:off x="835851" y="1452307"/>
-            <a:ext cx="11110072" cy="31166"/>
-          </a:xfrm>
-          <a:prstGeom prst="line">
-            <a:avLst/>
-          </a:prstGeom>
-        </p:spPr>
-        <p:style>
-          <a:lnRef idx="1">
-            <a:schemeClr val="accent1"/>
-          </a:lnRef>
-          <a:fillRef idx="0">
-            <a:schemeClr val="accent1"/>
-          </a:fillRef>
-          <a:effectRef idx="0">
-            <a:schemeClr val="accent1"/>
-          </a:effectRef>
-          <a:fontRef idx="minor">
-            <a:schemeClr val="tx1"/>
-          </a:fontRef>
-        </p:style>
-      </p:cxnSp>
-      <p:sp>
-        <p:nvSpPr>
-          <p:cNvPr id="9" name="TextBox 8">
+        </p:nvPicPr>
+        <p:blipFill>
+          <a:blip r:embed="rId2">
             <a:extLst>
-              <a:ext uri="{FF2B5EF4-FFF2-40B4-BE49-F238E27FC236}">
-                <a16:creationId xmlns:a16="http://schemas.microsoft.com/office/drawing/2014/main" id="{0124DA21-D47E-4A3A-9E39-62003482C993}"/>
+              <a:ext uri="{28A0092B-C50C-407E-A947-70E740481C1C}">
+                <a14:useLocalDpi xmlns:a14="http://schemas.microsoft.com/office/drawing/2010/main" val="0"/>
               </a:ext>
             </a:extLst>
-          </p:cNvPr>
-          <p:cNvSpPr txBox="1"/>
-          <p:nvPr/>
-        </p:nvSpPr>
-        <p:spPr>
-          <a:xfrm>
-            <a:off x="1440110" y="635414"/>
-            <a:ext cx="9311780" cy="620170"/>
+          </a:blip>
+          <a:stretch>
+            <a:fillRect/>
+          </a:stretch>
+        </p:blipFill>
+        <p:spPr>
+          <a:xfrm>
+            <a:off x="6296025" y="1845734"/>
+            <a:ext cx="4859655" cy="4464668"/>
           </a:xfrm>
           <a:prstGeom prst="rect">
             <a:avLst/>
           </a:prstGeom>
-          <a:noFill/>
-        </p:spPr>
-        <p:txBody>
-          <a:bodyPr wrap="square" rtlCol="0">
-            <a:spAutoFit/>
-          </a:bodyPr>
-          <a:lstStyle/>
-          <a:p>
-            <a:pPr algn="ctr" defTabSz="914400">
-              <a:lnSpc>
-                <a:spcPct val="85000"/>
-              </a:lnSpc>
-              <a:spcBef>
-                <a:spcPct val="0"/>
-              </a:spcBef>
-            </a:pPr>
-            <a:r>
-              <a:rPr lang="en-US" sz="4000" spc="-50" dirty="0">
-                <a:solidFill>
-                  <a:schemeClr val="tx1">
-                    <a:lumMod val="85000"/>
-                    <a:lumOff val="15000"/>
-                  </a:schemeClr>
-                </a:solidFill>
-                <a:latin typeface="+mj-lt"/>
-                <a:ea typeface="+mj-ea"/>
-                <a:cs typeface="+mj-cs"/>
-              </a:rPr>
-              <a:t>DATA CLEAN UP AND EXPLORATION</a:t>
-            </a:r>
-          </a:p>
-        </p:txBody>
-      </p:sp>
+        </p:spPr>
+      </p:pic>
     </p:spTree>
     <p:extLst>
       <p:ext uri="{BB962C8B-B14F-4D97-AF65-F5344CB8AC3E}">
-        <p14:creationId xmlns:p14="http://schemas.microsoft.com/office/powerpoint/2010/main" val="3666811118"/>
+        <p14:creationId xmlns:p14="http://schemas.microsoft.com/office/powerpoint/2010/main" val="82193188"/>
       </p:ext>
     </p:extLst>
   </p:cSld>
@@ -6653,14 +7469,6 @@
 <file path=ppt/slides/slide9.xml><?xml version="1.0" encoding="utf-8"?>
 <p:sld xmlns:a="http://schemas.openxmlformats.org/drawingml/2006/main" xmlns:r="http://schemas.openxmlformats.org/officeDocument/2006/relationships" xmlns:p="http://schemas.openxmlformats.org/presentationml/2006/main">
   <p:cSld>
-    <p:bg>
-      <p:bgPr>
-        <a:solidFill>
-          <a:schemeClr val="bg1"/>
-        </a:solidFill>
-        <a:effectLst/>
-      </p:bgPr>
-    </p:bg>
     <p:spTree>
       <p:nvGrpSpPr>
         <p:cNvPr id="1" name=""/>
@@ -6677,461 +7485,75 @@
       </p:grpSpPr>
       <p:sp>
         <p:nvSpPr>
-          <p:cNvPr id="12" name="Rectangle 11">
+          <p:cNvPr id="2" name="Title 1">
             <a:extLst>
               <a:ext uri="{FF2B5EF4-FFF2-40B4-BE49-F238E27FC236}">
-                <a16:creationId xmlns:a16="http://schemas.microsoft.com/office/drawing/2014/main" id="{52C0B2E1-0268-42EC-ABD3-94F81A05BCBD}"/>
-              </a:ext>
-              <a:ext uri="{C183D7F6-B498-43B3-948B-1728B52AA6E4}">
-                <adec:decorative xmlns:adec="http://schemas.microsoft.com/office/drawing/2017/decorative" val="1"/>
+                <a16:creationId xmlns:a16="http://schemas.microsoft.com/office/drawing/2014/main" id="{DF6FDB42-221D-4FB2-B781-00201FE689B7}"/>
               </a:ext>
             </a:extLst>
           </p:cNvPr>
           <p:cNvSpPr>
-            <a:spLocks noGrp="1" noRot="1" noChangeAspect="1" noMove="1" noResize="1" noEditPoints="1" noAdjustHandles="1" noChangeArrowheads="1" noChangeShapeType="1" noTextEdit="1"/>
-          </p:cNvSpPr>
-          <p:nvPr>
-            <p:extLst>
-              <p:ext uri="{386F3935-93C4-4BCD-93E2-E3B085C9AB24}">
-                <p16:designElem xmlns:p16="http://schemas.microsoft.com/office/powerpoint/2015/main" val="1"/>
-              </p:ext>
-            </p:extLst>
-          </p:nvPr>
-        </p:nvSpPr>
-        <p:spPr>
-          <a:xfrm>
-            <a:off x="3175" y="6400800"/>
-            <a:ext cx="12188825" cy="457200"/>
-          </a:xfrm>
-          <a:prstGeom prst="rect">
-            <a:avLst/>
-          </a:prstGeom>
-          <a:solidFill>
-            <a:schemeClr val="accent2"/>
-          </a:solidFill>
-          <a:ln>
-            <a:noFill/>
-          </a:ln>
-        </p:spPr>
-        <p:style>
-          <a:lnRef idx="2">
-            <a:schemeClr val="accent1">
-              <a:shade val="50000"/>
-            </a:schemeClr>
-          </a:lnRef>
-          <a:fillRef idx="1">
-            <a:schemeClr val="accent1"/>
-          </a:fillRef>
-          <a:effectRef idx="0">
-            <a:schemeClr val="accent1"/>
-          </a:effectRef>
-          <a:fontRef idx="minor">
-            <a:schemeClr val="lt1"/>
-          </a:fontRef>
-        </p:style>
-      </p:sp>
-      <p:sp>
-        <p:nvSpPr>
-          <p:cNvPr id="14" name="Rectangle 13">
-            <a:extLst>
-              <a:ext uri="{FF2B5EF4-FFF2-40B4-BE49-F238E27FC236}">
-                <a16:creationId xmlns:a16="http://schemas.microsoft.com/office/drawing/2014/main" id="{7D2256B4-48EA-40FC-BBC0-AA1EE6E0080C}"/>
-              </a:ext>
-              <a:ext uri="{C183D7F6-B498-43B3-948B-1728B52AA6E4}">
-                <adec:decorative xmlns:adec="http://schemas.microsoft.com/office/drawing/2017/decorative" val="1"/>
-              </a:ext>
-            </a:extLst>
-          </p:cNvPr>
-          <p:cNvSpPr>
-            <a:spLocks noGrp="1" noRot="1" noChangeAspect="1" noMove="1" noResize="1" noEditPoints="1" noAdjustHandles="1" noChangeArrowheads="1" noChangeShapeType="1" noTextEdit="1"/>
-          </p:cNvSpPr>
-          <p:nvPr>
-            <p:extLst>
-              <p:ext uri="{386F3935-93C4-4BCD-93E2-E3B085C9AB24}">
-                <p16:designElem xmlns:p16="http://schemas.microsoft.com/office/powerpoint/2015/main" val="1"/>
-              </p:ext>
-            </p:extLst>
-          </p:nvPr>
-        </p:nvSpPr>
-        <p:spPr>
-          <a:xfrm>
-            <a:off x="15" y="6334316"/>
-            <a:ext cx="12188825" cy="64008"/>
-          </a:xfrm>
-          <a:prstGeom prst="rect">
-            <a:avLst/>
-          </a:prstGeom>
-          <a:solidFill>
-            <a:schemeClr val="accent1"/>
-          </a:solidFill>
-          <a:ln>
-            <a:noFill/>
-          </a:ln>
-        </p:spPr>
-        <p:style>
-          <a:lnRef idx="2">
-            <a:schemeClr val="accent1">
-              <a:shade val="50000"/>
-            </a:schemeClr>
-          </a:lnRef>
-          <a:fillRef idx="1">
-            <a:schemeClr val="accent1"/>
-          </a:fillRef>
-          <a:effectRef idx="0">
-            <a:schemeClr val="accent1"/>
-          </a:effectRef>
-          <a:fontRef idx="minor">
-            <a:schemeClr val="lt1"/>
-          </a:fontRef>
-        </p:style>
-      </p:sp>
-      <p:cxnSp>
-        <p:nvCxnSpPr>
-          <p:cNvPr id="16" name="Straight Connector 15">
-            <a:extLst>
-              <a:ext uri="{FF2B5EF4-FFF2-40B4-BE49-F238E27FC236}">
-                <a16:creationId xmlns:a16="http://schemas.microsoft.com/office/drawing/2014/main" id="{3D44BCCA-102D-4A9D-B1E4-2450CAF0B05E}"/>
-              </a:ext>
-              <a:ext uri="{C183D7F6-B498-43B3-948B-1728B52AA6E4}">
-                <adec:decorative xmlns:adec="http://schemas.microsoft.com/office/drawing/2017/decorative" val="1"/>
-              </a:ext>
-            </a:extLst>
-          </p:cNvPr>
-          <p:cNvCxnSpPr>
-            <a:cxnSpLocks noGrp="1" noRot="1" noChangeAspect="1" noMove="1" noResize="1" noEditPoints="1" noAdjustHandles="1" noChangeArrowheads="1" noChangeShapeType="1"/>
-          </p:cNvCxnSpPr>
-          <p:nvPr>
-            <p:extLst>
-              <p:ext uri="{386F3935-93C4-4BCD-93E2-E3B085C9AB24}">
-                <p16:designElem xmlns:p16="http://schemas.microsoft.com/office/powerpoint/2015/main" val="1"/>
-              </p:ext>
-            </p:extLst>
-          </p:nvPr>
-        </p:nvCxnSpPr>
-        <p:spPr>
-          <a:xfrm>
-            <a:off x="1207658" y="4343400"/>
-            <a:ext cx="9875520" cy="0"/>
-          </a:xfrm>
-          <a:prstGeom prst="line">
-            <a:avLst/>
-          </a:prstGeom>
-          <a:ln w="6350">
-            <a:solidFill>
-              <a:schemeClr val="tx1">
-                <a:lumMod val="50000"/>
-                <a:lumOff val="50000"/>
-              </a:schemeClr>
-            </a:solidFill>
-          </a:ln>
-        </p:spPr>
-        <p:style>
-          <a:lnRef idx="1">
-            <a:schemeClr val="accent1"/>
-          </a:lnRef>
-          <a:fillRef idx="0">
-            <a:schemeClr val="accent1"/>
-          </a:fillRef>
-          <a:effectRef idx="0">
-            <a:schemeClr val="accent1"/>
-          </a:effectRef>
-          <a:fontRef idx="minor">
-            <a:schemeClr val="tx1"/>
-          </a:fontRef>
-        </p:style>
-      </p:cxnSp>
-      <p:sp useBgFill="1">
-        <p:nvSpPr>
-          <p:cNvPr id="18" name="Rectangle 17">
-            <a:extLst>
-              <a:ext uri="{FF2B5EF4-FFF2-40B4-BE49-F238E27FC236}">
-                <a16:creationId xmlns:a16="http://schemas.microsoft.com/office/drawing/2014/main" id="{8C6E698C-8155-4B8B-BDC9-B7299772B509}"/>
-              </a:ext>
-              <a:ext uri="{C183D7F6-B498-43B3-948B-1728B52AA6E4}">
-                <adec:decorative xmlns:adec="http://schemas.microsoft.com/office/drawing/2017/decorative" val="1"/>
-              </a:ext>
-            </a:extLst>
-          </p:cNvPr>
-          <p:cNvSpPr>
-            <a:spLocks noGrp="1" noRot="1" noChangeAspect="1" noMove="1" noResize="1" noEditPoints="1" noAdjustHandles="1" noChangeArrowheads="1" noChangeShapeType="1" noTextEdit="1"/>
-          </p:cNvSpPr>
-          <p:nvPr>
-            <p:extLst>
-              <p:ext uri="{386F3935-93C4-4BCD-93E2-E3B085C9AB24}">
-                <p16:designElem xmlns:p16="http://schemas.microsoft.com/office/powerpoint/2015/main" val="1"/>
-              </p:ext>
-            </p:extLst>
-          </p:nvPr>
-        </p:nvSpPr>
-        <p:spPr>
-          <a:xfrm>
-            <a:off x="0" y="0"/>
-            <a:ext cx="12188952" cy="6858000"/>
-          </a:xfrm>
-          <a:prstGeom prst="rect">
-            <a:avLst/>
-          </a:prstGeom>
-          <a:ln>
-            <a:noFill/>
-          </a:ln>
-        </p:spPr>
-        <p:style>
-          <a:lnRef idx="2">
-            <a:schemeClr val="accent1">
-              <a:shade val="50000"/>
-            </a:schemeClr>
-          </a:lnRef>
-          <a:fillRef idx="1">
-            <a:schemeClr val="accent1"/>
-          </a:fillRef>
-          <a:effectRef idx="0">
-            <a:schemeClr val="accent1"/>
-          </a:effectRef>
-          <a:fontRef idx="minor">
-            <a:schemeClr val="lt1"/>
-          </a:fontRef>
-        </p:style>
-        <p:txBody>
-          <a:bodyPr rtlCol="0" anchor="ctr"/>
-          <a:lstStyle/>
-          <a:p>
-            <a:pPr algn="ctr"/>
-            <a:endParaRPr lang="en-US"/>
-          </a:p>
-        </p:txBody>
-      </p:sp>
-      <p:sp>
-        <p:nvSpPr>
-          <p:cNvPr id="5" name="Title 4">
-            <a:extLst>
-              <a:ext uri="{FF2B5EF4-FFF2-40B4-BE49-F238E27FC236}">
-                <a16:creationId xmlns:a16="http://schemas.microsoft.com/office/drawing/2014/main" id="{3C16C513-8ED5-4BD7-BBBF-D0D1B910DB54}"/>
-              </a:ext>
-            </a:extLst>
-          </p:cNvPr>
-          <p:cNvSpPr>
-            <a:spLocks noGrp="1"/>
-          </p:cNvSpPr>
-          <p:nvPr>
-            <p:ph type="title"/>
-          </p:nvPr>
-        </p:nvSpPr>
-        <p:spPr>
-          <a:xfrm>
-            <a:off x="394290" y="643467"/>
-            <a:ext cx="6825938" cy="5054008"/>
-          </a:xfrm>
-        </p:spPr>
-        <p:txBody>
-          <a:bodyPr vert="horz" lIns="91440" tIns="45720" rIns="91440" bIns="45720" rtlCol="0" anchor="ctr">
+            <a:spLocks noGrp="1"/>
+          </p:cNvSpPr>
+          <p:nvPr>
+            <p:ph type="ctrTitle"/>
+          </p:nvPr>
+        </p:nvSpPr>
+        <p:spPr>
+          <a:xfrm>
+            <a:off x="1066800" y="583795"/>
+            <a:ext cx="10058400" cy="868512"/>
+          </a:xfrm>
+        </p:spPr>
+        <p:txBody>
+          <a:bodyPr>
             <a:normAutofit/>
           </a:bodyPr>
           <a:lstStyle/>
           <a:p>
-            <a:pPr algn="r"/>
-            <a:r>
-              <a:rPr lang="en-US" sz="2900" dirty="0">
-                <a:solidFill>
-                  <a:schemeClr val="tx1">
-                    <a:lumMod val="85000"/>
-                    <a:lumOff val="15000"/>
-                  </a:schemeClr>
-                </a:solidFill>
-              </a:rPr>
-              <a:t>1. Spatial Merging of the wildfire dataset with the weather data due to time constraint</a:t>
-            </a:r>
-            <a:br>
-              <a:rPr lang="en-US" sz="2900" dirty="0">
-                <a:solidFill>
-                  <a:schemeClr val="tx1">
-                    <a:lumMod val="85000"/>
-                    <a:lumOff val="15000"/>
-                  </a:schemeClr>
-                </a:solidFill>
-              </a:rPr>
-            </a:br>
-            <a:r>
-              <a:rPr lang="en-US" sz="2900" dirty="0">
-                <a:solidFill>
-                  <a:schemeClr val="tx1">
-                    <a:lumMod val="85000"/>
-                    <a:lumOff val="15000"/>
-                  </a:schemeClr>
-                </a:solidFill>
-              </a:rPr>
-              <a:t>2. </a:t>
+            <a:pPr algn="ctr"/>
+            <a:r>
+              <a:rPr lang="en-US" sz="4000" dirty="0"/>
+              <a:t>QUESTION AND DATA</a:t>
+            </a:r>
+          </a:p>
+        </p:txBody>
+      </p:sp>
+      <p:sp>
+        <p:nvSpPr>
+          <p:cNvPr id="3" name="Subtitle 2">
+            <a:extLst>
+              <a:ext uri="{FF2B5EF4-FFF2-40B4-BE49-F238E27FC236}">
+                <a16:creationId xmlns:a16="http://schemas.microsoft.com/office/drawing/2014/main" id="{C3BC5AF1-64A3-4E62-9F12-63A17BA2EB18}"/>
+              </a:ext>
+            </a:extLst>
+          </p:cNvPr>
+          <p:cNvSpPr>
+            <a:spLocks noGrp="1"/>
+          </p:cNvSpPr>
+          <p:nvPr>
+            <p:ph type="subTitle" idx="1"/>
+          </p:nvPr>
+        </p:nvSpPr>
+        <p:spPr/>
+        <p:txBody>
+          <a:bodyPr/>
+          <a:lstStyle/>
+          <a:p>
+            <a:pPr algn="ctr"/>
+            <a:r>
+              <a:rPr lang="en-US" dirty="0"/>
+              <a:t>ARE FIRES EFFECTIVELY OR RANDOMLY CAUSED OR IS ONE CAUSE MORE LIKELY THAN THE OTHERS?</a:t>
             </a:r>
           </a:p>
         </p:txBody>
       </p:sp>
       <p:cxnSp>
         <p:nvCxnSpPr>
-          <p:cNvPr id="20" name="Straight Connector 19">
+          <p:cNvPr id="4" name="Straight Connector 3">
             <a:extLst>
               <a:ext uri="{FF2B5EF4-FFF2-40B4-BE49-F238E27FC236}">
-                <a16:creationId xmlns:a16="http://schemas.microsoft.com/office/drawing/2014/main" id="{09525C9A-1972-4836-BA7A-706C946EF4DA}"/>
-              </a:ext>
-              <a:ext uri="{C183D7F6-B498-43B3-948B-1728B52AA6E4}">
-                <adec:decorative xmlns:adec="http://schemas.microsoft.com/office/drawing/2017/decorative" val="1"/>
-              </a:ext>
-            </a:extLst>
-          </p:cNvPr>
-          <p:cNvCxnSpPr>
-            <a:cxnSpLocks noGrp="1" noRot="1" noChangeAspect="1" noMove="1" noResize="1" noEditPoints="1" noAdjustHandles="1" noChangeArrowheads="1" noChangeShapeType="1"/>
-          </p:cNvCxnSpPr>
-          <p:nvPr>
-            <p:extLst>
-              <p:ext uri="{386F3935-93C4-4BCD-93E2-E3B085C9AB24}">
-                <p16:designElem xmlns:p16="http://schemas.microsoft.com/office/powerpoint/2015/main" val="1"/>
-              </p:ext>
-            </p:extLst>
-          </p:nvPr>
-        </p:nvCxnSpPr>
-        <p:spPr>
-          <a:xfrm>
-            <a:off x="7534656" y="1391367"/>
-            <a:ext cx="0" cy="3558208"/>
-          </a:xfrm>
-          <a:prstGeom prst="line">
-            <a:avLst/>
-          </a:prstGeom>
-          <a:ln>
-            <a:solidFill>
-              <a:schemeClr val="tx2"/>
-            </a:solidFill>
-          </a:ln>
-        </p:spPr>
-        <p:style>
-          <a:lnRef idx="1">
-            <a:schemeClr val="accent1"/>
-          </a:lnRef>
-          <a:fillRef idx="0">
-            <a:schemeClr val="accent1"/>
-          </a:fillRef>
-          <a:effectRef idx="0">
-            <a:schemeClr val="accent1"/>
-          </a:effectRef>
-          <a:fontRef idx="minor">
-            <a:schemeClr val="tx1"/>
-          </a:fontRef>
-        </p:style>
-      </p:cxnSp>
-      <p:sp>
-        <p:nvSpPr>
-          <p:cNvPr id="22" name="Rectangle 21">
-            <a:extLst>
-              <a:ext uri="{FF2B5EF4-FFF2-40B4-BE49-F238E27FC236}">
-                <a16:creationId xmlns:a16="http://schemas.microsoft.com/office/drawing/2014/main" id="{8A549DE7-671D-4575-AF43-858FD99981CF}"/>
-              </a:ext>
-              <a:ext uri="{C183D7F6-B498-43B3-948B-1728B52AA6E4}">
-                <adec:decorative xmlns:adec="http://schemas.microsoft.com/office/drawing/2017/decorative" val="1"/>
-              </a:ext>
-            </a:extLst>
-          </p:cNvPr>
-          <p:cNvSpPr>
-            <a:spLocks noGrp="1" noRot="1" noChangeAspect="1" noMove="1" noResize="1" noEditPoints="1" noAdjustHandles="1" noChangeArrowheads="1" noChangeShapeType="1" noTextEdit="1"/>
-          </p:cNvSpPr>
-          <p:nvPr>
-            <p:extLst>
-              <p:ext uri="{386F3935-93C4-4BCD-93E2-E3B085C9AB24}">
-                <p16:designElem xmlns:p16="http://schemas.microsoft.com/office/powerpoint/2015/main" val="1"/>
-              </p:ext>
-            </p:extLst>
-          </p:nvPr>
-        </p:nvSpPr>
-        <p:spPr>
-          <a:xfrm>
-            <a:off x="3175" y="6400800"/>
-            <a:ext cx="12188825" cy="457200"/>
-          </a:xfrm>
-          <a:prstGeom prst="rect">
-            <a:avLst/>
-          </a:prstGeom>
-          <a:solidFill>
-            <a:schemeClr val="accent2"/>
-          </a:solidFill>
-          <a:ln>
-            <a:noFill/>
-          </a:ln>
-        </p:spPr>
-        <p:style>
-          <a:lnRef idx="2">
-            <a:schemeClr val="accent1">
-              <a:shade val="50000"/>
-            </a:schemeClr>
-          </a:lnRef>
-          <a:fillRef idx="1">
-            <a:schemeClr val="accent1"/>
-          </a:fillRef>
-          <a:effectRef idx="0">
-            <a:schemeClr val="accent1"/>
-          </a:effectRef>
-          <a:fontRef idx="minor">
-            <a:schemeClr val="lt1"/>
-          </a:fontRef>
-        </p:style>
-      </p:sp>
-      <p:sp>
-        <p:nvSpPr>
-          <p:cNvPr id="31" name="Rectangle 23">
-            <a:extLst>
-              <a:ext uri="{FF2B5EF4-FFF2-40B4-BE49-F238E27FC236}">
-                <a16:creationId xmlns:a16="http://schemas.microsoft.com/office/drawing/2014/main" id="{C22D9B36-9BE7-472B-8808-7E0D6810738F}"/>
-              </a:ext>
-              <a:ext uri="{C183D7F6-B498-43B3-948B-1728B52AA6E4}">
-                <adec:decorative xmlns:adec="http://schemas.microsoft.com/office/drawing/2017/decorative" val="1"/>
-              </a:ext>
-            </a:extLst>
-          </p:cNvPr>
-          <p:cNvSpPr>
-            <a:spLocks noGrp="1" noRot="1" noChangeAspect="1" noMove="1" noResize="1" noEditPoints="1" noAdjustHandles="1" noChangeArrowheads="1" noChangeShapeType="1" noTextEdit="1"/>
-          </p:cNvSpPr>
-          <p:nvPr>
-            <p:extLst>
-              <p:ext uri="{386F3935-93C4-4BCD-93E2-E3B085C9AB24}">
-                <p16:designElem xmlns:p16="http://schemas.microsoft.com/office/powerpoint/2015/main" val="1"/>
-              </p:ext>
-            </p:extLst>
-          </p:nvPr>
-        </p:nvSpPr>
-        <p:spPr>
-          <a:xfrm>
-            <a:off x="15" y="6340942"/>
-            <a:ext cx="12188825" cy="64008"/>
-          </a:xfrm>
-          <a:prstGeom prst="rect">
-            <a:avLst/>
-          </a:prstGeom>
-          <a:solidFill>
-            <a:schemeClr val="accent1"/>
-          </a:solidFill>
-          <a:ln>
-            <a:noFill/>
-          </a:ln>
-        </p:spPr>
-        <p:style>
-          <a:lnRef idx="2">
-            <a:schemeClr val="accent1">
-              <a:shade val="50000"/>
-            </a:schemeClr>
-          </a:lnRef>
-          <a:fillRef idx="1">
-            <a:schemeClr val="accent1"/>
-          </a:fillRef>
-          <a:effectRef idx="0">
-            <a:schemeClr val="accent1"/>
-          </a:effectRef>
-          <a:fontRef idx="minor">
-            <a:schemeClr val="lt1"/>
-          </a:fontRef>
-        </p:style>
-      </p:sp>
-      <p:cxnSp>
-        <p:nvCxnSpPr>
-          <p:cNvPr id="23" name="Straight Connector 22">
-            <a:extLst>
-              <a:ext uri="{FF2B5EF4-FFF2-40B4-BE49-F238E27FC236}">
-                <a16:creationId xmlns:a16="http://schemas.microsoft.com/office/drawing/2014/main" id="{8E5F2A22-88E9-4852-AB7A-48BA17915732}"/>
+                <a16:creationId xmlns:a16="http://schemas.microsoft.com/office/drawing/2014/main" id="{F3A06D0B-F362-465D-BCEE-B5ADD34022A6}"/>
               </a:ext>
             </a:extLst>
           </p:cNvPr>
@@ -7142,7 +7564,7 @@
         </p:nvCxnSpPr>
         <p:spPr>
           <a:xfrm flipV="1">
-            <a:off x="844240" y="1300515"/>
+            <a:off x="835851" y="1452307"/>
             <a:ext cx="11110072" cy="31166"/>
           </a:xfrm>
           <a:prstGeom prst="line">
@@ -7164,12 +7586,42 @@
           </a:fontRef>
         </p:style>
       </p:cxnSp>
-      <p:sp>
-        <p:nvSpPr>
-          <p:cNvPr id="30" name="TextBox 29">
+      <p:pic>
+        <p:nvPicPr>
+          <p:cNvPr id="5" name="Picture 4">
             <a:extLst>
               <a:ext uri="{FF2B5EF4-FFF2-40B4-BE49-F238E27FC236}">
-                <a16:creationId xmlns:a16="http://schemas.microsoft.com/office/drawing/2014/main" id="{77D28E29-D4BC-41E5-ADB2-A9425951C2B6}"/>
+                <a16:creationId xmlns:a16="http://schemas.microsoft.com/office/drawing/2014/main" id="{2FA9D53F-F554-416A-83CC-6344AADF6A86}"/>
+              </a:ext>
+            </a:extLst>
+          </p:cNvPr>
+          <p:cNvPicPr>
+            <a:picLocks noChangeAspect="1"/>
+          </p:cNvPicPr>
+          <p:nvPr/>
+        </p:nvPicPr>
+        <p:blipFill>
+          <a:blip r:embed="rId2"/>
+          <a:stretch>
+            <a:fillRect/>
+          </a:stretch>
+        </p:blipFill>
+        <p:spPr>
+          <a:xfrm>
+            <a:off x="1066800" y="1604880"/>
+            <a:ext cx="6943725" cy="2667001"/>
+          </a:xfrm>
+          <a:prstGeom prst="rect">
+            <a:avLst/>
+          </a:prstGeom>
+        </p:spPr>
+      </p:pic>
+      <p:sp>
+        <p:nvSpPr>
+          <p:cNvPr id="6" name="TextBox 5">
+            <a:extLst>
+              <a:ext uri="{FF2B5EF4-FFF2-40B4-BE49-F238E27FC236}">
+                <a16:creationId xmlns:a16="http://schemas.microsoft.com/office/drawing/2014/main" id="{465C0214-C204-408D-97ED-3F053F805B1C}"/>
               </a:ext>
             </a:extLst>
           </p:cNvPr>
@@ -7178,8 +7630,8 @@
         </p:nvSpPr>
         <p:spPr>
           <a:xfrm>
-            <a:off x="1440110" y="635414"/>
-            <a:ext cx="9311780" cy="620170"/>
+            <a:off x="8062826" y="1667212"/>
+            <a:ext cx="3095625" cy="1477328"/>
           </a:xfrm>
           <a:prstGeom prst="rect">
             <a:avLst/>
@@ -7192,27 +7644,33 @@
           </a:bodyPr>
           <a:lstStyle/>
           <a:p>
-            <a:pPr algn="ctr" defTabSz="914400">
-              <a:lnSpc>
-                <a:spcPct val="85000"/>
-              </a:lnSpc>
-              <a:spcBef>
-                <a:spcPct val="0"/>
-              </a:spcBef>
+            <a:pPr marL="285750" indent="-285750">
+              <a:buFont typeface="Wingdings" panose="05000000000000000000" pitchFamily="2" charset="2"/>
+              <a:buChar char="v"/>
             </a:pPr>
             <a:r>
-              <a:rPr lang="en-US" sz="4000" spc="-50" dirty="0">
-                <a:solidFill>
-                  <a:schemeClr val="tx1">
-                    <a:lumMod val="85000"/>
-                    <a:lumOff val="15000"/>
-                  </a:schemeClr>
-                </a:solidFill>
-                <a:latin typeface="+mj-lt"/>
-                <a:ea typeface="+mj-ea"/>
-                <a:cs typeface="+mj-cs"/>
-              </a:rPr>
-              <a:t>LIMITATIONS AND CHALLENGES</a:t>
+              <a:rPr lang="en-US" dirty="0"/>
+              <a:t>Critical Value:  19.67513757268249</a:t>
+            </a:r>
+            <a:br>
+              <a:rPr lang="en-US" dirty="0"/>
+            </a:br>
+            <a:endParaRPr lang="en-US" dirty="0"/>
+          </a:p>
+          <a:p>
+            <a:pPr>
+              <a:buFont typeface="Wingdings" panose="05000000000000000000" pitchFamily="2" charset="2"/>
+              <a:buChar char="v"/>
+            </a:pPr>
+            <a:r>
+              <a:rPr lang="en-US" dirty="0"/>
+              <a:t> Chi-squared test p-value: </a:t>
+            </a:r>
+          </a:p>
+          <a:p>
+            <a:r>
+              <a:rPr lang="en-US" dirty="0"/>
+              <a:t>     Too small to calculate (~=0) </a:t>
             </a:r>
           </a:p>
         </p:txBody>
@@ -7220,7 +7678,7 @@
     </p:spTree>
     <p:extLst>
       <p:ext uri="{BB962C8B-B14F-4D97-AF65-F5344CB8AC3E}">
-        <p14:creationId xmlns:p14="http://schemas.microsoft.com/office/powerpoint/2010/main" val="523254669"/>
+        <p14:creationId xmlns:p14="http://schemas.microsoft.com/office/powerpoint/2010/main" val="2553220091"/>
       </p:ext>
     </p:extLst>
   </p:cSld>
